--- a/diagram.pptx
+++ b/diagram.pptx
@@ -4,9 +4,13 @@
   <p:sldMasterIdLst>
     <p:sldMasterId id="2147483648" r:id="rId1"/>
   </p:sldMasterIdLst>
+  <p:notesMasterIdLst>
+    <p:notesMasterId r:id="rId5"/>
+  </p:notesMasterIdLst>
   <p:sldIdLst>
     <p:sldId id="256" r:id="rId2"/>
     <p:sldId id="257" r:id="rId3"/>
+    <p:sldId id="258" r:id="rId4"/>
   </p:sldIdLst>
   <p:sldSz cx="9144000" cy="6858000" type="screen4x3"/>
   <p:notesSz cx="6858000" cy="9144000"/>
@@ -105,7 +109,469 @@
       </a:defRPr>
     </a:lvl9pPr>
   </p:defaultTextStyle>
+  <p:extLst>
+    <p:ext uri="{EFAFB233-063F-42B5-8137-9DF3F51BA10A}">
+      <p15:sldGuideLst xmlns:p15="http://schemas.microsoft.com/office/powerpoint/2012/main">
+        <p15:guide id="1" orient="horz" pos="2160">
+          <p15:clr>
+            <a:srgbClr val="A4A3A4"/>
+          </p15:clr>
+        </p15:guide>
+        <p15:guide id="2" pos="2880">
+          <p15:clr>
+            <a:srgbClr val="A4A3A4"/>
+          </p15:clr>
+        </p15:guide>
+      </p15:sldGuideLst>
+    </p:ext>
+  </p:extLst>
 </p:presentation>
+</file>
+
+<file path=ppt/notesMasters/notesMaster1.xml><?xml version="1.0" encoding="utf-8"?>
+<p:notesMaster xmlns:a="http://schemas.openxmlformats.org/drawingml/2006/main" xmlns:r="http://schemas.openxmlformats.org/officeDocument/2006/relationships" xmlns:p="http://schemas.openxmlformats.org/presentationml/2006/main">
+  <p:cSld>
+    <p:bg>
+      <p:bgRef idx="1001">
+        <a:schemeClr val="bg1"/>
+      </p:bgRef>
+    </p:bg>
+    <p:spTree>
+      <p:nvGrpSpPr>
+        <p:cNvPr id="1" name=""/>
+        <p:cNvGrpSpPr/>
+        <p:nvPr/>
+      </p:nvGrpSpPr>
+      <p:grpSpPr>
+        <a:xfrm>
+          <a:off x="0" y="0"/>
+          <a:ext cx="0" cy="0"/>
+          <a:chOff x="0" y="0"/>
+          <a:chExt cx="0" cy="0"/>
+        </a:xfrm>
+      </p:grpSpPr>
+      <p:sp>
+        <p:nvSpPr>
+          <p:cNvPr id="2" name="Kopfzeilenplatzhalter 1"/>
+          <p:cNvSpPr>
+            <a:spLocks noGrp="1"/>
+          </p:cNvSpPr>
+          <p:nvPr>
+            <p:ph type="hdr" sz="quarter"/>
+          </p:nvPr>
+        </p:nvSpPr>
+        <p:spPr>
+          <a:xfrm>
+            <a:off x="0" y="0"/>
+            <a:ext cx="2971800" cy="458788"/>
+          </a:xfrm>
+          <a:prstGeom prst="rect">
+            <a:avLst/>
+          </a:prstGeom>
+        </p:spPr>
+        <p:txBody>
+          <a:bodyPr vert="horz" lIns="91440" tIns="45720" rIns="91440" bIns="45720" rtlCol="0"/>
+          <a:lstStyle>
+            <a:lvl1pPr algn="l">
+              <a:defRPr sz="1200"/>
+            </a:lvl1pPr>
+          </a:lstStyle>
+          <a:p>
+            <a:endParaRPr lang="de-DE"/>
+          </a:p>
+        </p:txBody>
+      </p:sp>
+      <p:sp>
+        <p:nvSpPr>
+          <p:cNvPr id="3" name="Datumsplatzhalter 2"/>
+          <p:cNvSpPr>
+            <a:spLocks noGrp="1"/>
+          </p:cNvSpPr>
+          <p:nvPr>
+            <p:ph type="dt" idx="1"/>
+          </p:nvPr>
+        </p:nvSpPr>
+        <p:spPr>
+          <a:xfrm>
+            <a:off x="3884613" y="0"/>
+            <a:ext cx="2971800" cy="458788"/>
+          </a:xfrm>
+          <a:prstGeom prst="rect">
+            <a:avLst/>
+          </a:prstGeom>
+        </p:spPr>
+        <p:txBody>
+          <a:bodyPr vert="horz" lIns="91440" tIns="45720" rIns="91440" bIns="45720" rtlCol="0"/>
+          <a:lstStyle>
+            <a:lvl1pPr algn="r">
+              <a:defRPr sz="1200"/>
+            </a:lvl1pPr>
+          </a:lstStyle>
+          <a:p>
+            <a:fld id="{8992E7D8-B1BC-4DD6-8F64-C5F30CB03223}" type="datetimeFigureOut">
+              <a:rPr lang="de-DE" smtClean="0"/>
+              <a:t>05.06.2025</a:t>
+            </a:fld>
+            <a:endParaRPr lang="de-DE"/>
+          </a:p>
+        </p:txBody>
+      </p:sp>
+      <p:sp>
+        <p:nvSpPr>
+          <p:cNvPr id="4" name="Folienbildplatzhalter 3"/>
+          <p:cNvSpPr>
+            <a:spLocks noGrp="1" noRot="1" noChangeAspect="1"/>
+          </p:cNvSpPr>
+          <p:nvPr>
+            <p:ph type="sldImg" idx="2"/>
+          </p:nvPr>
+        </p:nvSpPr>
+        <p:spPr>
+          <a:xfrm>
+            <a:off x="1371600" y="1143000"/>
+            <a:ext cx="4114800" cy="3086100"/>
+          </a:xfrm>
+          <a:prstGeom prst="rect">
+            <a:avLst/>
+          </a:prstGeom>
+          <a:noFill/>
+          <a:ln w="12700">
+            <a:solidFill>
+              <a:prstClr val="black"/>
+            </a:solidFill>
+          </a:ln>
+        </p:spPr>
+        <p:txBody>
+          <a:bodyPr vert="horz" lIns="91440" tIns="45720" rIns="91440" bIns="45720" rtlCol="0" anchor="ctr"/>
+          <a:lstStyle/>
+          <a:p>
+            <a:endParaRPr lang="de-DE"/>
+          </a:p>
+        </p:txBody>
+      </p:sp>
+      <p:sp>
+        <p:nvSpPr>
+          <p:cNvPr id="5" name="Notizenplatzhalter 4"/>
+          <p:cNvSpPr>
+            <a:spLocks noGrp="1"/>
+          </p:cNvSpPr>
+          <p:nvPr>
+            <p:ph type="body" sz="quarter" idx="3"/>
+          </p:nvPr>
+        </p:nvSpPr>
+        <p:spPr>
+          <a:xfrm>
+            <a:off x="685800" y="4400550"/>
+            <a:ext cx="5486400" cy="3600450"/>
+          </a:xfrm>
+          <a:prstGeom prst="rect">
+            <a:avLst/>
+          </a:prstGeom>
+        </p:spPr>
+        <p:txBody>
+          <a:bodyPr vert="horz" lIns="91440" tIns="45720" rIns="91440" bIns="45720" rtlCol="0"/>
+          <a:lstStyle/>
+          <a:p>
+            <a:pPr lvl="0"/>
+            <a:r>
+              <a:rPr lang="de-DE" smtClean="0"/>
+              <a:t>Textmasterformat bearbeiten</a:t>
+            </a:r>
+          </a:p>
+          <a:p>
+            <a:pPr lvl="1"/>
+            <a:r>
+              <a:rPr lang="de-DE" smtClean="0"/>
+              <a:t>Zweite Ebene</a:t>
+            </a:r>
+          </a:p>
+          <a:p>
+            <a:pPr lvl="2"/>
+            <a:r>
+              <a:rPr lang="de-DE" smtClean="0"/>
+              <a:t>Dritte Ebene</a:t>
+            </a:r>
+          </a:p>
+          <a:p>
+            <a:pPr lvl="3"/>
+            <a:r>
+              <a:rPr lang="de-DE" smtClean="0"/>
+              <a:t>Vierte Ebene</a:t>
+            </a:r>
+          </a:p>
+          <a:p>
+            <a:pPr lvl="4"/>
+            <a:r>
+              <a:rPr lang="de-DE" smtClean="0"/>
+              <a:t>Fünfte Ebene</a:t>
+            </a:r>
+            <a:endParaRPr lang="de-DE"/>
+          </a:p>
+        </p:txBody>
+      </p:sp>
+      <p:sp>
+        <p:nvSpPr>
+          <p:cNvPr id="6" name="Fußzeilenplatzhalter 5"/>
+          <p:cNvSpPr>
+            <a:spLocks noGrp="1"/>
+          </p:cNvSpPr>
+          <p:nvPr>
+            <p:ph type="ftr" sz="quarter" idx="4"/>
+          </p:nvPr>
+        </p:nvSpPr>
+        <p:spPr>
+          <a:xfrm>
+            <a:off x="0" y="8685213"/>
+            <a:ext cx="2971800" cy="458787"/>
+          </a:xfrm>
+          <a:prstGeom prst="rect">
+            <a:avLst/>
+          </a:prstGeom>
+        </p:spPr>
+        <p:txBody>
+          <a:bodyPr vert="horz" lIns="91440" tIns="45720" rIns="91440" bIns="45720" rtlCol="0" anchor="b"/>
+          <a:lstStyle>
+            <a:lvl1pPr algn="l">
+              <a:defRPr sz="1200"/>
+            </a:lvl1pPr>
+          </a:lstStyle>
+          <a:p>
+            <a:endParaRPr lang="de-DE"/>
+          </a:p>
+        </p:txBody>
+      </p:sp>
+      <p:sp>
+        <p:nvSpPr>
+          <p:cNvPr id="7" name="Foliennummernplatzhalter 6"/>
+          <p:cNvSpPr>
+            <a:spLocks noGrp="1"/>
+          </p:cNvSpPr>
+          <p:nvPr>
+            <p:ph type="sldNum" sz="quarter" idx="5"/>
+          </p:nvPr>
+        </p:nvSpPr>
+        <p:spPr>
+          <a:xfrm>
+            <a:off x="3884613" y="8685213"/>
+            <a:ext cx="2971800" cy="458787"/>
+          </a:xfrm>
+          <a:prstGeom prst="rect">
+            <a:avLst/>
+          </a:prstGeom>
+        </p:spPr>
+        <p:txBody>
+          <a:bodyPr vert="horz" lIns="91440" tIns="45720" rIns="91440" bIns="45720" rtlCol="0" anchor="b"/>
+          <a:lstStyle>
+            <a:lvl1pPr algn="r">
+              <a:defRPr sz="1200"/>
+            </a:lvl1pPr>
+          </a:lstStyle>
+          <a:p>
+            <a:fld id="{6EF94E8C-0E00-4826-8BDC-6EAA9B90C685}" type="slidenum">
+              <a:rPr lang="de-DE" smtClean="0"/>
+              <a:t>‹Nr.›</a:t>
+            </a:fld>
+            <a:endParaRPr lang="de-DE"/>
+          </a:p>
+        </p:txBody>
+      </p:sp>
+    </p:spTree>
+    <p:extLst>
+      <p:ext uri="{BB962C8B-B14F-4D97-AF65-F5344CB8AC3E}">
+        <p14:creationId xmlns:p14="http://schemas.microsoft.com/office/powerpoint/2010/main" val="3176370000"/>
+      </p:ext>
+    </p:extLst>
+  </p:cSld>
+  <p:clrMap bg1="lt1" tx1="dk1" bg2="lt2" tx2="dk2" accent1="accent1" accent2="accent2" accent3="accent3" accent4="accent4" accent5="accent5" accent6="accent6" hlink="hlink" folHlink="folHlink"/>
+  <p:notesStyle>
+    <a:lvl1pPr marL="0" algn="l" defTabSz="914400" rtl="0" eaLnBrk="1" latinLnBrk="0" hangingPunct="1">
+      <a:defRPr sz="1200" kern="1200">
+        <a:solidFill>
+          <a:schemeClr val="tx1"/>
+        </a:solidFill>
+        <a:latin typeface="+mn-lt"/>
+        <a:ea typeface="+mn-ea"/>
+        <a:cs typeface="+mn-cs"/>
+      </a:defRPr>
+    </a:lvl1pPr>
+    <a:lvl2pPr marL="457200" algn="l" defTabSz="914400" rtl="0" eaLnBrk="1" latinLnBrk="0" hangingPunct="1">
+      <a:defRPr sz="1200" kern="1200">
+        <a:solidFill>
+          <a:schemeClr val="tx1"/>
+        </a:solidFill>
+        <a:latin typeface="+mn-lt"/>
+        <a:ea typeface="+mn-ea"/>
+        <a:cs typeface="+mn-cs"/>
+      </a:defRPr>
+    </a:lvl2pPr>
+    <a:lvl3pPr marL="914400" algn="l" defTabSz="914400" rtl="0" eaLnBrk="1" latinLnBrk="0" hangingPunct="1">
+      <a:defRPr sz="1200" kern="1200">
+        <a:solidFill>
+          <a:schemeClr val="tx1"/>
+        </a:solidFill>
+        <a:latin typeface="+mn-lt"/>
+        <a:ea typeface="+mn-ea"/>
+        <a:cs typeface="+mn-cs"/>
+      </a:defRPr>
+    </a:lvl3pPr>
+    <a:lvl4pPr marL="1371600" algn="l" defTabSz="914400" rtl="0" eaLnBrk="1" latinLnBrk="0" hangingPunct="1">
+      <a:defRPr sz="1200" kern="1200">
+        <a:solidFill>
+          <a:schemeClr val="tx1"/>
+        </a:solidFill>
+        <a:latin typeface="+mn-lt"/>
+        <a:ea typeface="+mn-ea"/>
+        <a:cs typeface="+mn-cs"/>
+      </a:defRPr>
+    </a:lvl4pPr>
+    <a:lvl5pPr marL="1828800" algn="l" defTabSz="914400" rtl="0" eaLnBrk="1" latinLnBrk="0" hangingPunct="1">
+      <a:defRPr sz="1200" kern="1200">
+        <a:solidFill>
+          <a:schemeClr val="tx1"/>
+        </a:solidFill>
+        <a:latin typeface="+mn-lt"/>
+        <a:ea typeface="+mn-ea"/>
+        <a:cs typeface="+mn-cs"/>
+      </a:defRPr>
+    </a:lvl5pPr>
+    <a:lvl6pPr marL="2286000" algn="l" defTabSz="914400" rtl="0" eaLnBrk="1" latinLnBrk="0" hangingPunct="1">
+      <a:defRPr sz="1200" kern="1200">
+        <a:solidFill>
+          <a:schemeClr val="tx1"/>
+        </a:solidFill>
+        <a:latin typeface="+mn-lt"/>
+        <a:ea typeface="+mn-ea"/>
+        <a:cs typeface="+mn-cs"/>
+      </a:defRPr>
+    </a:lvl6pPr>
+    <a:lvl7pPr marL="2743200" algn="l" defTabSz="914400" rtl="0" eaLnBrk="1" latinLnBrk="0" hangingPunct="1">
+      <a:defRPr sz="1200" kern="1200">
+        <a:solidFill>
+          <a:schemeClr val="tx1"/>
+        </a:solidFill>
+        <a:latin typeface="+mn-lt"/>
+        <a:ea typeface="+mn-ea"/>
+        <a:cs typeface="+mn-cs"/>
+      </a:defRPr>
+    </a:lvl7pPr>
+    <a:lvl8pPr marL="3200400" algn="l" defTabSz="914400" rtl="0" eaLnBrk="1" latinLnBrk="0" hangingPunct="1">
+      <a:defRPr sz="1200" kern="1200">
+        <a:solidFill>
+          <a:schemeClr val="tx1"/>
+        </a:solidFill>
+        <a:latin typeface="+mn-lt"/>
+        <a:ea typeface="+mn-ea"/>
+        <a:cs typeface="+mn-cs"/>
+      </a:defRPr>
+    </a:lvl8pPr>
+    <a:lvl9pPr marL="3657600" algn="l" defTabSz="914400" rtl="0" eaLnBrk="1" latinLnBrk="0" hangingPunct="1">
+      <a:defRPr sz="1200" kern="1200">
+        <a:solidFill>
+          <a:schemeClr val="tx1"/>
+        </a:solidFill>
+        <a:latin typeface="+mn-lt"/>
+        <a:ea typeface="+mn-ea"/>
+        <a:cs typeface="+mn-cs"/>
+      </a:defRPr>
+    </a:lvl9pPr>
+  </p:notesStyle>
+</p:notesMaster>
+</file>
+
+<file path=ppt/notesSlides/notesSlide1.xml><?xml version="1.0" encoding="utf-8"?>
+<p:notes xmlns:a="http://schemas.openxmlformats.org/drawingml/2006/main" xmlns:r="http://schemas.openxmlformats.org/officeDocument/2006/relationships" xmlns:p="http://schemas.openxmlformats.org/presentationml/2006/main">
+  <p:cSld>
+    <p:spTree>
+      <p:nvGrpSpPr>
+        <p:cNvPr id="1" name=""/>
+        <p:cNvGrpSpPr/>
+        <p:nvPr/>
+      </p:nvGrpSpPr>
+      <p:grpSpPr>
+        <a:xfrm>
+          <a:off x="0" y="0"/>
+          <a:ext cx="0" cy="0"/>
+          <a:chOff x="0" y="0"/>
+          <a:chExt cx="0" cy="0"/>
+        </a:xfrm>
+      </p:grpSpPr>
+      <p:sp>
+        <p:nvSpPr>
+          <p:cNvPr id="2" name="Folienbildplatzhalter 1"/>
+          <p:cNvSpPr>
+            <a:spLocks noGrp="1" noRot="1" noChangeAspect="1"/>
+          </p:cNvSpPr>
+          <p:nvPr>
+            <p:ph type="sldImg"/>
+          </p:nvPr>
+        </p:nvSpPr>
+        <p:spPr/>
+      </p:sp>
+      <p:sp>
+        <p:nvSpPr>
+          <p:cNvPr id="3" name="Notizenplatzhalter 2"/>
+          <p:cNvSpPr>
+            <a:spLocks noGrp="1"/>
+          </p:cNvSpPr>
+          <p:nvPr>
+            <p:ph type="body" idx="1"/>
+          </p:nvPr>
+        </p:nvSpPr>
+        <p:spPr/>
+        <p:txBody>
+          <a:bodyPr/>
+          <a:lstStyle/>
+          <a:p>
+            <a:r>
+              <a:rPr lang="en-US" dirty="0" smtClean="0"/>
+              <a:t>-</a:t>
+            </a:r>
+            <a:r>
+              <a:rPr lang="en-US" baseline="0" dirty="0" smtClean="0"/>
+              <a:t> Control unit will send how much distance to travel and at </a:t>
+            </a:r>
+            <a:r>
+              <a:rPr lang="en-US" baseline="0" smtClean="0"/>
+              <a:t>what speed </a:t>
+            </a:r>
+            <a:endParaRPr lang="de-DE"/>
+          </a:p>
+        </p:txBody>
+      </p:sp>
+      <p:sp>
+        <p:nvSpPr>
+          <p:cNvPr id="4" name="Foliennummernplatzhalter 3"/>
+          <p:cNvSpPr>
+            <a:spLocks noGrp="1"/>
+          </p:cNvSpPr>
+          <p:nvPr>
+            <p:ph type="sldNum" sz="quarter" idx="10"/>
+          </p:nvPr>
+        </p:nvSpPr>
+        <p:spPr/>
+        <p:txBody>
+          <a:bodyPr/>
+          <a:lstStyle/>
+          <a:p>
+            <a:fld id="{6EF94E8C-0E00-4826-8BDC-6EAA9B90C685}" type="slidenum">
+              <a:rPr lang="de-DE" smtClean="0"/>
+              <a:t>2</a:t>
+            </a:fld>
+            <a:endParaRPr lang="de-DE"/>
+          </a:p>
+        </p:txBody>
+      </p:sp>
+    </p:spTree>
+    <p:extLst>
+      <p:ext uri="{BB962C8B-B14F-4D97-AF65-F5344CB8AC3E}">
+        <p14:creationId xmlns:p14="http://schemas.microsoft.com/office/powerpoint/2010/main" val="4139294116"/>
+      </p:ext>
+    </p:extLst>
+  </p:cSld>
+  <p:clrMapOvr>
+    <a:masterClrMapping/>
+  </p:clrMapOvr>
+</p:notes>
 </file>
 
 <file path=ppt/slideLayouts/slideLayout1.xml><?xml version="1.0" encoding="utf-8"?>
@@ -289,7 +755,7 @@
           <a:p>
             <a:fld id="{0B8F3D1E-3AEB-4A0F-B442-66BE7F490AF1}" type="datetimeFigureOut">
               <a:rPr lang="en-US" smtClean="0"/>
-              <a:t>6/3/2025</a:t>
+              <a:t>6/5/2025</a:t>
             </a:fld>
             <a:endParaRPr lang="en-US"/>
           </a:p>
@@ -331,7 +797,7 @@
           <a:p>
             <a:fld id="{16EF4857-13CA-4FB6-8F20-AA2D42495B12}" type="slidenum">
               <a:rPr lang="en-US" smtClean="0"/>
-              <a:t>‹#›</a:t>
+              <a:t>‹Nr.›</a:t>
             </a:fld>
             <a:endParaRPr lang="en-US"/>
           </a:p>
@@ -454,7 +920,7 @@
           <a:p>
             <a:fld id="{0B8F3D1E-3AEB-4A0F-B442-66BE7F490AF1}" type="datetimeFigureOut">
               <a:rPr lang="en-US" smtClean="0"/>
-              <a:t>6/3/2025</a:t>
+              <a:t>6/5/2025</a:t>
             </a:fld>
             <a:endParaRPr lang="en-US"/>
           </a:p>
@@ -496,7 +962,7 @@
           <a:p>
             <a:fld id="{16EF4857-13CA-4FB6-8F20-AA2D42495B12}" type="slidenum">
               <a:rPr lang="en-US" smtClean="0"/>
-              <a:t>‹#›</a:t>
+              <a:t>‹Nr.›</a:t>
             </a:fld>
             <a:endParaRPr lang="en-US"/>
           </a:p>
@@ -629,7 +1095,7 @@
           <a:p>
             <a:fld id="{0B8F3D1E-3AEB-4A0F-B442-66BE7F490AF1}" type="datetimeFigureOut">
               <a:rPr lang="en-US" smtClean="0"/>
-              <a:t>6/3/2025</a:t>
+              <a:t>6/5/2025</a:t>
             </a:fld>
             <a:endParaRPr lang="en-US"/>
           </a:p>
@@ -671,7 +1137,7 @@
           <a:p>
             <a:fld id="{16EF4857-13CA-4FB6-8F20-AA2D42495B12}" type="slidenum">
               <a:rPr lang="en-US" smtClean="0"/>
-              <a:t>‹#›</a:t>
+              <a:t>‹Nr.›</a:t>
             </a:fld>
             <a:endParaRPr lang="en-US"/>
           </a:p>
@@ -794,7 +1260,7 @@
           <a:p>
             <a:fld id="{0B8F3D1E-3AEB-4A0F-B442-66BE7F490AF1}" type="datetimeFigureOut">
               <a:rPr lang="en-US" smtClean="0"/>
-              <a:t>6/3/2025</a:t>
+              <a:t>6/5/2025</a:t>
             </a:fld>
             <a:endParaRPr lang="en-US"/>
           </a:p>
@@ -836,7 +1302,7 @@
           <a:p>
             <a:fld id="{16EF4857-13CA-4FB6-8F20-AA2D42495B12}" type="slidenum">
               <a:rPr lang="en-US" smtClean="0"/>
-              <a:t>‹#›</a:t>
+              <a:t>‹Nr.›</a:t>
             </a:fld>
             <a:endParaRPr lang="en-US"/>
           </a:p>
@@ -1035,7 +1501,7 @@
           <a:p>
             <a:fld id="{0B8F3D1E-3AEB-4A0F-B442-66BE7F490AF1}" type="datetimeFigureOut">
               <a:rPr lang="en-US" smtClean="0"/>
-              <a:t>6/3/2025</a:t>
+              <a:t>6/5/2025</a:t>
             </a:fld>
             <a:endParaRPr lang="en-US"/>
           </a:p>
@@ -1077,7 +1543,7 @@
           <a:p>
             <a:fld id="{16EF4857-13CA-4FB6-8F20-AA2D42495B12}" type="slidenum">
               <a:rPr lang="en-US" smtClean="0"/>
-              <a:t>‹#›</a:t>
+              <a:t>‹Nr.›</a:t>
             </a:fld>
             <a:endParaRPr lang="en-US"/>
           </a:p>
@@ -1318,7 +1784,7 @@
           <a:p>
             <a:fld id="{0B8F3D1E-3AEB-4A0F-B442-66BE7F490AF1}" type="datetimeFigureOut">
               <a:rPr lang="en-US" smtClean="0"/>
-              <a:t>6/3/2025</a:t>
+              <a:t>6/5/2025</a:t>
             </a:fld>
             <a:endParaRPr lang="en-US"/>
           </a:p>
@@ -1360,7 +1826,7 @@
           <a:p>
             <a:fld id="{16EF4857-13CA-4FB6-8F20-AA2D42495B12}" type="slidenum">
               <a:rPr lang="en-US" smtClean="0"/>
-              <a:t>‹#›</a:t>
+              <a:t>‹Nr.›</a:t>
             </a:fld>
             <a:endParaRPr lang="en-US"/>
           </a:p>
@@ -1735,7 +2201,7 @@
           <a:p>
             <a:fld id="{0B8F3D1E-3AEB-4A0F-B442-66BE7F490AF1}" type="datetimeFigureOut">
               <a:rPr lang="en-US" smtClean="0"/>
-              <a:t>6/3/2025</a:t>
+              <a:t>6/5/2025</a:t>
             </a:fld>
             <a:endParaRPr lang="en-US"/>
           </a:p>
@@ -1777,7 +2243,7 @@
           <a:p>
             <a:fld id="{16EF4857-13CA-4FB6-8F20-AA2D42495B12}" type="slidenum">
               <a:rPr lang="en-US" smtClean="0"/>
-              <a:t>‹#›</a:t>
+              <a:t>‹Nr.›</a:t>
             </a:fld>
             <a:endParaRPr lang="en-US"/>
           </a:p>
@@ -1848,7 +2314,7 @@
           <a:p>
             <a:fld id="{0B8F3D1E-3AEB-4A0F-B442-66BE7F490AF1}" type="datetimeFigureOut">
               <a:rPr lang="en-US" smtClean="0"/>
-              <a:t>6/3/2025</a:t>
+              <a:t>6/5/2025</a:t>
             </a:fld>
             <a:endParaRPr lang="en-US"/>
           </a:p>
@@ -1890,7 +2356,7 @@
           <a:p>
             <a:fld id="{16EF4857-13CA-4FB6-8F20-AA2D42495B12}" type="slidenum">
               <a:rPr lang="en-US" smtClean="0"/>
-              <a:t>‹#›</a:t>
+              <a:t>‹Nr.›</a:t>
             </a:fld>
             <a:endParaRPr lang="en-US"/>
           </a:p>
@@ -1938,7 +2404,7 @@
           <a:p>
             <a:fld id="{0B8F3D1E-3AEB-4A0F-B442-66BE7F490AF1}" type="datetimeFigureOut">
               <a:rPr lang="en-US" smtClean="0"/>
-              <a:t>6/3/2025</a:t>
+              <a:t>6/5/2025</a:t>
             </a:fld>
             <a:endParaRPr lang="en-US"/>
           </a:p>
@@ -1980,7 +2446,7 @@
           <a:p>
             <a:fld id="{16EF4857-13CA-4FB6-8F20-AA2D42495B12}" type="slidenum">
               <a:rPr lang="en-US" smtClean="0"/>
-              <a:t>‹#›</a:t>
+              <a:t>‹Nr.›</a:t>
             </a:fld>
             <a:endParaRPr lang="en-US"/>
           </a:p>
@@ -2210,7 +2676,7 @@
           <a:p>
             <a:fld id="{0B8F3D1E-3AEB-4A0F-B442-66BE7F490AF1}" type="datetimeFigureOut">
               <a:rPr lang="en-US" smtClean="0"/>
-              <a:t>6/3/2025</a:t>
+              <a:t>6/5/2025</a:t>
             </a:fld>
             <a:endParaRPr lang="en-US"/>
           </a:p>
@@ -2252,7 +2718,7 @@
           <a:p>
             <a:fld id="{16EF4857-13CA-4FB6-8F20-AA2D42495B12}" type="slidenum">
               <a:rPr lang="en-US" smtClean="0"/>
-              <a:t>‹#›</a:t>
+              <a:t>‹Nr.›</a:t>
             </a:fld>
             <a:endParaRPr lang="en-US"/>
           </a:p>
@@ -2458,7 +2924,7 @@
           <a:p>
             <a:fld id="{0B8F3D1E-3AEB-4A0F-B442-66BE7F490AF1}" type="datetimeFigureOut">
               <a:rPr lang="en-US" smtClean="0"/>
-              <a:t>6/3/2025</a:t>
+              <a:t>6/5/2025</a:t>
             </a:fld>
             <a:endParaRPr lang="en-US"/>
           </a:p>
@@ -2500,7 +2966,7 @@
           <a:p>
             <a:fld id="{16EF4857-13CA-4FB6-8F20-AA2D42495B12}" type="slidenum">
               <a:rPr lang="en-US" smtClean="0"/>
-              <a:t>‹#›</a:t>
+              <a:t>‹Nr.›</a:t>
             </a:fld>
             <a:endParaRPr lang="en-US"/>
           </a:p>
@@ -2666,7 +3132,7 @@
           <a:p>
             <a:fld id="{0B8F3D1E-3AEB-4A0F-B442-66BE7F490AF1}" type="datetimeFigureOut">
               <a:rPr lang="en-US" smtClean="0"/>
-              <a:t>6/3/2025</a:t>
+              <a:t>6/5/2025</a:t>
             </a:fld>
             <a:endParaRPr lang="en-US"/>
           </a:p>
@@ -2744,7 +3210,7 @@
           <a:p>
             <a:fld id="{16EF4857-13CA-4FB6-8F20-AA2D42495B12}" type="slidenum">
               <a:rPr lang="en-US" smtClean="0"/>
-              <a:t>‹#›</a:t>
+              <a:t>‹Nr.›</a:t>
             </a:fld>
             <a:endParaRPr lang="en-US"/>
           </a:p>
@@ -4525,6 +4991,13 @@
     <a:masterClrMapping/>
   </p:clrMapOvr>
   <p:transition/>
+  <p:timing>
+    <p:tnLst>
+      <p:par>
+        <p:cTn id="1" dur="indefinite" restart="never" nodeType="tmRoot"/>
+      </p:par>
+    </p:tnLst>
+  </p:timing>
 </p:sld>
 </file>
 
@@ -6268,12 +6741,6 @@
               </a:rPr>
               <a:t>Hub</a:t>
             </a:r>
-            <a:endParaRPr lang="en-US" sz="1400" dirty="0">
-              <a:solidFill>
-                <a:schemeClr val="dk1"/>
-              </a:solidFill>
-              <a:latin typeface="Arial Black" pitchFamily="34" charset="0"/>
-            </a:endParaRPr>
           </a:p>
         </p:txBody>
       </p:sp>
@@ -6679,11 +7146,2375 @@
           </a:fontRef>
         </p:style>
       </p:cxnSp>
+      <p:sp>
+        <p:nvSpPr>
+          <p:cNvPr id="58" name="Rechteck 57"/>
+          <p:cNvSpPr/>
+          <p:nvPr/>
+        </p:nvSpPr>
+        <p:spPr>
+          <a:xfrm>
+            <a:off x="3116595" y="253224"/>
+            <a:ext cx="2839368" cy="461665"/>
+          </a:xfrm>
+          <a:prstGeom prst="rect">
+            <a:avLst/>
+          </a:prstGeom>
+        </p:spPr>
+        <p:txBody>
+          <a:bodyPr wrap="none">
+            <a:spAutoFit/>
+          </a:bodyPr>
+          <a:lstStyle/>
+          <a:p>
+            <a:pPr algn="ctr"/>
+            <a:r>
+              <a:rPr lang="en-US" sz="2400" dirty="0" smtClean="0">
+                <a:latin typeface="Arial Black" pitchFamily="34" charset="0"/>
+              </a:rPr>
+              <a:t>Proposed Setup</a:t>
+            </a:r>
+            <a:endParaRPr lang="en-US" sz="2400" dirty="0">
+              <a:latin typeface="Arial Black" pitchFamily="34" charset="0"/>
+            </a:endParaRPr>
+          </a:p>
+        </p:txBody>
+      </p:sp>
     </p:spTree>
   </p:cSld>
   <p:clrMapOvr>
     <a:masterClrMapping/>
   </p:clrMapOvr>
+  <p:timing>
+    <p:tnLst>
+      <p:par>
+        <p:cTn id="1" dur="indefinite" restart="never" nodeType="tmRoot"/>
+      </p:par>
+    </p:tnLst>
+  </p:timing>
+</p:sld>
+</file>
+
+<file path=ppt/slides/slide3.xml><?xml version="1.0" encoding="utf-8"?>
+<p:sld xmlns:a="http://schemas.openxmlformats.org/drawingml/2006/main" xmlns:r="http://schemas.openxmlformats.org/officeDocument/2006/relationships" xmlns:p="http://schemas.openxmlformats.org/presentationml/2006/main">
+  <p:cSld>
+    <p:spTree>
+      <p:nvGrpSpPr>
+        <p:cNvPr id="1" name=""/>
+        <p:cNvGrpSpPr/>
+        <p:nvPr/>
+      </p:nvGrpSpPr>
+      <p:grpSpPr>
+        <a:xfrm>
+          <a:off x="0" y="0"/>
+          <a:ext cx="0" cy="0"/>
+          <a:chOff x="0" y="0"/>
+          <a:chExt cx="0" cy="0"/>
+        </a:xfrm>
+      </p:grpSpPr>
+      <p:sp>
+        <p:nvSpPr>
+          <p:cNvPr id="56" name="Pie 55"/>
+          <p:cNvSpPr/>
+          <p:nvPr/>
+        </p:nvSpPr>
+        <p:spPr>
+          <a:xfrm flipV="1">
+            <a:off x="4357686" y="4257596"/>
+            <a:ext cx="285752" cy="214314"/>
+          </a:xfrm>
+          <a:prstGeom prst="pie">
+            <a:avLst/>
+          </a:prstGeom>
+          <a:solidFill>
+            <a:schemeClr val="bg2">
+              <a:lumMod val="25000"/>
+            </a:schemeClr>
+          </a:solidFill>
+        </p:spPr>
+        <p:style>
+          <a:lnRef idx="2">
+            <a:schemeClr val="accent1">
+              <a:shade val="50000"/>
+            </a:schemeClr>
+          </a:lnRef>
+          <a:fillRef idx="1">
+            <a:schemeClr val="accent1"/>
+          </a:fillRef>
+          <a:effectRef idx="0">
+            <a:schemeClr val="accent1"/>
+          </a:effectRef>
+          <a:fontRef idx="minor">
+            <a:schemeClr val="lt1"/>
+          </a:fontRef>
+        </p:style>
+        <p:txBody>
+          <a:bodyPr rtlCol="0" anchor="ctr"/>
+          <a:lstStyle/>
+          <a:p>
+            <a:pPr algn="ctr"/>
+            <a:endParaRPr lang="en-US">
+              <a:solidFill>
+                <a:schemeClr val="tx1"/>
+              </a:solidFill>
+            </a:endParaRPr>
+          </a:p>
+        </p:txBody>
+      </p:sp>
+      <p:sp>
+        <p:nvSpPr>
+          <p:cNvPr id="9" name="Rectangle 8"/>
+          <p:cNvSpPr/>
+          <p:nvPr/>
+        </p:nvSpPr>
+        <p:spPr>
+          <a:xfrm>
+            <a:off x="1357290" y="4543348"/>
+            <a:ext cx="6715172" cy="71438"/>
+          </a:xfrm>
+          <a:prstGeom prst="rect">
+            <a:avLst/>
+          </a:prstGeom>
+        </p:spPr>
+        <p:style>
+          <a:lnRef idx="2">
+            <a:schemeClr val="accent1">
+              <a:shade val="50000"/>
+            </a:schemeClr>
+          </a:lnRef>
+          <a:fillRef idx="1">
+            <a:schemeClr val="accent1"/>
+          </a:fillRef>
+          <a:effectRef idx="0">
+            <a:schemeClr val="accent1"/>
+          </a:effectRef>
+          <a:fontRef idx="minor">
+            <a:schemeClr val="lt1"/>
+          </a:fontRef>
+        </p:style>
+        <p:txBody>
+          <a:bodyPr rtlCol="0" anchor="ctr"/>
+          <a:lstStyle/>
+          <a:p>
+            <a:pPr algn="ctr"/>
+            <a:endParaRPr lang="en-US"/>
+          </a:p>
+        </p:txBody>
+      </p:sp>
+      <p:sp>
+        <p:nvSpPr>
+          <p:cNvPr id="10" name="Rounded Rectangle 9"/>
+          <p:cNvSpPr/>
+          <p:nvPr/>
+        </p:nvSpPr>
+        <p:spPr>
+          <a:xfrm>
+            <a:off x="1500166" y="4614786"/>
+            <a:ext cx="142876" cy="142876"/>
+          </a:xfrm>
+          <a:prstGeom prst="roundRect">
+            <a:avLst/>
+          </a:prstGeom>
+        </p:spPr>
+        <p:style>
+          <a:lnRef idx="2">
+            <a:schemeClr val="dk1">
+              <a:shade val="50000"/>
+            </a:schemeClr>
+          </a:lnRef>
+          <a:fillRef idx="1">
+            <a:schemeClr val="dk1"/>
+          </a:fillRef>
+          <a:effectRef idx="0">
+            <a:schemeClr val="dk1"/>
+          </a:effectRef>
+          <a:fontRef idx="minor">
+            <a:schemeClr val="lt1"/>
+          </a:fontRef>
+        </p:style>
+        <p:txBody>
+          <a:bodyPr rtlCol="0" anchor="ctr"/>
+          <a:lstStyle/>
+          <a:p>
+            <a:pPr algn="ctr"/>
+            <a:endParaRPr lang="en-US"/>
+          </a:p>
+        </p:txBody>
+      </p:sp>
+      <p:sp>
+        <p:nvSpPr>
+          <p:cNvPr id="11" name="Rounded Rectangle 10"/>
+          <p:cNvSpPr/>
+          <p:nvPr/>
+        </p:nvSpPr>
+        <p:spPr>
+          <a:xfrm>
+            <a:off x="1785918" y="4614786"/>
+            <a:ext cx="142876" cy="142876"/>
+          </a:xfrm>
+          <a:prstGeom prst="roundRect">
+            <a:avLst/>
+          </a:prstGeom>
+        </p:spPr>
+        <p:style>
+          <a:lnRef idx="2">
+            <a:schemeClr val="dk1">
+              <a:shade val="50000"/>
+            </a:schemeClr>
+          </a:lnRef>
+          <a:fillRef idx="1">
+            <a:schemeClr val="dk1"/>
+          </a:fillRef>
+          <a:effectRef idx="0">
+            <a:schemeClr val="dk1"/>
+          </a:effectRef>
+          <a:fontRef idx="minor">
+            <a:schemeClr val="lt1"/>
+          </a:fontRef>
+        </p:style>
+        <p:txBody>
+          <a:bodyPr rtlCol="0" anchor="ctr"/>
+          <a:lstStyle/>
+          <a:p>
+            <a:pPr algn="ctr"/>
+            <a:endParaRPr lang="en-US"/>
+          </a:p>
+        </p:txBody>
+      </p:sp>
+      <p:sp>
+        <p:nvSpPr>
+          <p:cNvPr id="12" name="Rounded Rectangle 11"/>
+          <p:cNvSpPr/>
+          <p:nvPr/>
+        </p:nvSpPr>
+        <p:spPr>
+          <a:xfrm>
+            <a:off x="2071670" y="4614786"/>
+            <a:ext cx="142876" cy="142876"/>
+          </a:xfrm>
+          <a:prstGeom prst="roundRect">
+            <a:avLst/>
+          </a:prstGeom>
+        </p:spPr>
+        <p:style>
+          <a:lnRef idx="2">
+            <a:schemeClr val="dk1">
+              <a:shade val="50000"/>
+            </a:schemeClr>
+          </a:lnRef>
+          <a:fillRef idx="1">
+            <a:schemeClr val="dk1"/>
+          </a:fillRef>
+          <a:effectRef idx="0">
+            <a:schemeClr val="dk1"/>
+          </a:effectRef>
+          <a:fontRef idx="minor">
+            <a:schemeClr val="lt1"/>
+          </a:fontRef>
+        </p:style>
+        <p:txBody>
+          <a:bodyPr rtlCol="0" anchor="ctr"/>
+          <a:lstStyle/>
+          <a:p>
+            <a:pPr algn="ctr"/>
+            <a:endParaRPr lang="en-US"/>
+          </a:p>
+        </p:txBody>
+      </p:sp>
+      <p:sp>
+        <p:nvSpPr>
+          <p:cNvPr id="13" name="Rounded Rectangle 12"/>
+          <p:cNvSpPr/>
+          <p:nvPr/>
+        </p:nvSpPr>
+        <p:spPr>
+          <a:xfrm>
+            <a:off x="2357422" y="4614786"/>
+            <a:ext cx="142876" cy="142876"/>
+          </a:xfrm>
+          <a:prstGeom prst="roundRect">
+            <a:avLst/>
+          </a:prstGeom>
+        </p:spPr>
+        <p:style>
+          <a:lnRef idx="2">
+            <a:schemeClr val="dk1">
+              <a:shade val="50000"/>
+            </a:schemeClr>
+          </a:lnRef>
+          <a:fillRef idx="1">
+            <a:schemeClr val="dk1"/>
+          </a:fillRef>
+          <a:effectRef idx="0">
+            <a:schemeClr val="dk1"/>
+          </a:effectRef>
+          <a:fontRef idx="minor">
+            <a:schemeClr val="lt1"/>
+          </a:fontRef>
+        </p:style>
+        <p:txBody>
+          <a:bodyPr rtlCol="0" anchor="ctr"/>
+          <a:lstStyle/>
+          <a:p>
+            <a:pPr algn="ctr"/>
+            <a:endParaRPr lang="en-US"/>
+          </a:p>
+        </p:txBody>
+      </p:sp>
+      <p:sp>
+        <p:nvSpPr>
+          <p:cNvPr id="14" name="Rounded Rectangle 13"/>
+          <p:cNvSpPr/>
+          <p:nvPr/>
+        </p:nvSpPr>
+        <p:spPr>
+          <a:xfrm>
+            <a:off x="2643174" y="4614786"/>
+            <a:ext cx="142876" cy="142876"/>
+          </a:xfrm>
+          <a:prstGeom prst="roundRect">
+            <a:avLst/>
+          </a:prstGeom>
+        </p:spPr>
+        <p:style>
+          <a:lnRef idx="2">
+            <a:schemeClr val="dk1">
+              <a:shade val="50000"/>
+            </a:schemeClr>
+          </a:lnRef>
+          <a:fillRef idx="1">
+            <a:schemeClr val="dk1"/>
+          </a:fillRef>
+          <a:effectRef idx="0">
+            <a:schemeClr val="dk1"/>
+          </a:effectRef>
+          <a:fontRef idx="minor">
+            <a:schemeClr val="lt1"/>
+          </a:fontRef>
+        </p:style>
+        <p:txBody>
+          <a:bodyPr rtlCol="0" anchor="ctr"/>
+          <a:lstStyle/>
+          <a:p>
+            <a:pPr algn="ctr"/>
+            <a:endParaRPr lang="en-US"/>
+          </a:p>
+        </p:txBody>
+      </p:sp>
+      <p:sp>
+        <p:nvSpPr>
+          <p:cNvPr id="15" name="Rounded Rectangle 14"/>
+          <p:cNvSpPr/>
+          <p:nvPr/>
+        </p:nvSpPr>
+        <p:spPr>
+          <a:xfrm>
+            <a:off x="2928926" y="4614786"/>
+            <a:ext cx="142876" cy="142876"/>
+          </a:xfrm>
+          <a:prstGeom prst="roundRect">
+            <a:avLst/>
+          </a:prstGeom>
+        </p:spPr>
+        <p:style>
+          <a:lnRef idx="2">
+            <a:schemeClr val="dk1">
+              <a:shade val="50000"/>
+            </a:schemeClr>
+          </a:lnRef>
+          <a:fillRef idx="1">
+            <a:schemeClr val="dk1"/>
+          </a:fillRef>
+          <a:effectRef idx="0">
+            <a:schemeClr val="dk1"/>
+          </a:effectRef>
+          <a:fontRef idx="minor">
+            <a:schemeClr val="lt1"/>
+          </a:fontRef>
+        </p:style>
+        <p:txBody>
+          <a:bodyPr rtlCol="0" anchor="ctr"/>
+          <a:lstStyle/>
+          <a:p>
+            <a:pPr algn="ctr"/>
+            <a:endParaRPr lang="en-US"/>
+          </a:p>
+        </p:txBody>
+      </p:sp>
+      <p:sp>
+        <p:nvSpPr>
+          <p:cNvPr id="16" name="Rounded Rectangle 15"/>
+          <p:cNvSpPr/>
+          <p:nvPr/>
+        </p:nvSpPr>
+        <p:spPr>
+          <a:xfrm>
+            <a:off x="3214678" y="4614786"/>
+            <a:ext cx="142876" cy="142876"/>
+          </a:xfrm>
+          <a:prstGeom prst="roundRect">
+            <a:avLst/>
+          </a:prstGeom>
+        </p:spPr>
+        <p:style>
+          <a:lnRef idx="2">
+            <a:schemeClr val="dk1">
+              <a:shade val="50000"/>
+            </a:schemeClr>
+          </a:lnRef>
+          <a:fillRef idx="1">
+            <a:schemeClr val="dk1"/>
+          </a:fillRef>
+          <a:effectRef idx="0">
+            <a:schemeClr val="dk1"/>
+          </a:effectRef>
+          <a:fontRef idx="minor">
+            <a:schemeClr val="lt1"/>
+          </a:fontRef>
+        </p:style>
+        <p:txBody>
+          <a:bodyPr rtlCol="0" anchor="ctr"/>
+          <a:lstStyle/>
+          <a:p>
+            <a:pPr algn="ctr"/>
+            <a:endParaRPr lang="en-US"/>
+          </a:p>
+        </p:txBody>
+      </p:sp>
+      <p:sp>
+        <p:nvSpPr>
+          <p:cNvPr id="17" name="Rounded Rectangle 16"/>
+          <p:cNvSpPr/>
+          <p:nvPr/>
+        </p:nvSpPr>
+        <p:spPr>
+          <a:xfrm>
+            <a:off x="3500430" y="4614786"/>
+            <a:ext cx="142876" cy="142876"/>
+          </a:xfrm>
+          <a:prstGeom prst="roundRect">
+            <a:avLst/>
+          </a:prstGeom>
+        </p:spPr>
+        <p:style>
+          <a:lnRef idx="2">
+            <a:schemeClr val="dk1">
+              <a:shade val="50000"/>
+            </a:schemeClr>
+          </a:lnRef>
+          <a:fillRef idx="1">
+            <a:schemeClr val="dk1"/>
+          </a:fillRef>
+          <a:effectRef idx="0">
+            <a:schemeClr val="dk1"/>
+          </a:effectRef>
+          <a:fontRef idx="minor">
+            <a:schemeClr val="lt1"/>
+          </a:fontRef>
+        </p:style>
+        <p:txBody>
+          <a:bodyPr rtlCol="0" anchor="ctr"/>
+          <a:lstStyle/>
+          <a:p>
+            <a:pPr algn="ctr"/>
+            <a:endParaRPr lang="en-US"/>
+          </a:p>
+        </p:txBody>
+      </p:sp>
+      <p:sp>
+        <p:nvSpPr>
+          <p:cNvPr id="18" name="Rounded Rectangle 17"/>
+          <p:cNvSpPr/>
+          <p:nvPr/>
+        </p:nvSpPr>
+        <p:spPr>
+          <a:xfrm>
+            <a:off x="3786182" y="4614786"/>
+            <a:ext cx="142876" cy="142876"/>
+          </a:xfrm>
+          <a:prstGeom prst="roundRect">
+            <a:avLst/>
+          </a:prstGeom>
+        </p:spPr>
+        <p:style>
+          <a:lnRef idx="2">
+            <a:schemeClr val="dk1">
+              <a:shade val="50000"/>
+            </a:schemeClr>
+          </a:lnRef>
+          <a:fillRef idx="1">
+            <a:schemeClr val="dk1"/>
+          </a:fillRef>
+          <a:effectRef idx="0">
+            <a:schemeClr val="dk1"/>
+          </a:effectRef>
+          <a:fontRef idx="minor">
+            <a:schemeClr val="lt1"/>
+          </a:fontRef>
+        </p:style>
+        <p:txBody>
+          <a:bodyPr rtlCol="0" anchor="ctr"/>
+          <a:lstStyle/>
+          <a:p>
+            <a:pPr algn="ctr"/>
+            <a:endParaRPr lang="en-US"/>
+          </a:p>
+        </p:txBody>
+      </p:sp>
+      <p:sp>
+        <p:nvSpPr>
+          <p:cNvPr id="19" name="Rounded Rectangle 18"/>
+          <p:cNvSpPr/>
+          <p:nvPr/>
+        </p:nvSpPr>
+        <p:spPr>
+          <a:xfrm>
+            <a:off x="4071934" y="4614786"/>
+            <a:ext cx="142876" cy="142876"/>
+          </a:xfrm>
+          <a:prstGeom prst="roundRect">
+            <a:avLst/>
+          </a:prstGeom>
+        </p:spPr>
+        <p:style>
+          <a:lnRef idx="2">
+            <a:schemeClr val="dk1">
+              <a:shade val="50000"/>
+            </a:schemeClr>
+          </a:lnRef>
+          <a:fillRef idx="1">
+            <a:schemeClr val="dk1"/>
+          </a:fillRef>
+          <a:effectRef idx="0">
+            <a:schemeClr val="dk1"/>
+          </a:effectRef>
+          <a:fontRef idx="minor">
+            <a:schemeClr val="lt1"/>
+          </a:fontRef>
+        </p:style>
+        <p:txBody>
+          <a:bodyPr rtlCol="0" anchor="ctr"/>
+          <a:lstStyle/>
+          <a:p>
+            <a:pPr algn="ctr"/>
+            <a:endParaRPr lang="en-US"/>
+          </a:p>
+        </p:txBody>
+      </p:sp>
+      <p:sp>
+        <p:nvSpPr>
+          <p:cNvPr id="20" name="Rounded Rectangle 19"/>
+          <p:cNvSpPr/>
+          <p:nvPr/>
+        </p:nvSpPr>
+        <p:spPr>
+          <a:xfrm>
+            <a:off x="4357686" y="4614786"/>
+            <a:ext cx="142876" cy="142876"/>
+          </a:xfrm>
+          <a:prstGeom prst="roundRect">
+            <a:avLst/>
+          </a:prstGeom>
+        </p:spPr>
+        <p:style>
+          <a:lnRef idx="2">
+            <a:schemeClr val="dk1">
+              <a:shade val="50000"/>
+            </a:schemeClr>
+          </a:lnRef>
+          <a:fillRef idx="1">
+            <a:schemeClr val="dk1"/>
+          </a:fillRef>
+          <a:effectRef idx="0">
+            <a:schemeClr val="dk1"/>
+          </a:effectRef>
+          <a:fontRef idx="minor">
+            <a:schemeClr val="lt1"/>
+          </a:fontRef>
+        </p:style>
+        <p:txBody>
+          <a:bodyPr rtlCol="0" anchor="ctr"/>
+          <a:lstStyle/>
+          <a:p>
+            <a:pPr algn="ctr"/>
+            <a:endParaRPr lang="en-US"/>
+          </a:p>
+        </p:txBody>
+      </p:sp>
+      <p:sp>
+        <p:nvSpPr>
+          <p:cNvPr id="21" name="Rounded Rectangle 20"/>
+          <p:cNvSpPr/>
+          <p:nvPr/>
+        </p:nvSpPr>
+        <p:spPr>
+          <a:xfrm>
+            <a:off x="4643438" y="4614786"/>
+            <a:ext cx="142876" cy="142876"/>
+          </a:xfrm>
+          <a:prstGeom prst="roundRect">
+            <a:avLst/>
+          </a:prstGeom>
+        </p:spPr>
+        <p:style>
+          <a:lnRef idx="2">
+            <a:schemeClr val="dk1">
+              <a:shade val="50000"/>
+            </a:schemeClr>
+          </a:lnRef>
+          <a:fillRef idx="1">
+            <a:schemeClr val="dk1"/>
+          </a:fillRef>
+          <a:effectRef idx="0">
+            <a:schemeClr val="dk1"/>
+          </a:effectRef>
+          <a:fontRef idx="minor">
+            <a:schemeClr val="lt1"/>
+          </a:fontRef>
+        </p:style>
+        <p:txBody>
+          <a:bodyPr rtlCol="0" anchor="ctr"/>
+          <a:lstStyle/>
+          <a:p>
+            <a:pPr algn="ctr"/>
+            <a:endParaRPr lang="en-US"/>
+          </a:p>
+        </p:txBody>
+      </p:sp>
+      <p:sp>
+        <p:nvSpPr>
+          <p:cNvPr id="22" name="Rounded Rectangle 21"/>
+          <p:cNvSpPr/>
+          <p:nvPr/>
+        </p:nvSpPr>
+        <p:spPr>
+          <a:xfrm>
+            <a:off x="4929190" y="4614786"/>
+            <a:ext cx="142876" cy="142876"/>
+          </a:xfrm>
+          <a:prstGeom prst="roundRect">
+            <a:avLst/>
+          </a:prstGeom>
+        </p:spPr>
+        <p:style>
+          <a:lnRef idx="2">
+            <a:schemeClr val="dk1">
+              <a:shade val="50000"/>
+            </a:schemeClr>
+          </a:lnRef>
+          <a:fillRef idx="1">
+            <a:schemeClr val="dk1"/>
+          </a:fillRef>
+          <a:effectRef idx="0">
+            <a:schemeClr val="dk1"/>
+          </a:effectRef>
+          <a:fontRef idx="minor">
+            <a:schemeClr val="lt1"/>
+          </a:fontRef>
+        </p:style>
+        <p:txBody>
+          <a:bodyPr rtlCol="0" anchor="ctr"/>
+          <a:lstStyle/>
+          <a:p>
+            <a:pPr algn="ctr"/>
+            <a:endParaRPr lang="en-US"/>
+          </a:p>
+        </p:txBody>
+      </p:sp>
+      <p:sp>
+        <p:nvSpPr>
+          <p:cNvPr id="23" name="Rounded Rectangle 22"/>
+          <p:cNvSpPr/>
+          <p:nvPr/>
+        </p:nvSpPr>
+        <p:spPr>
+          <a:xfrm>
+            <a:off x="5214942" y="4614786"/>
+            <a:ext cx="142876" cy="142876"/>
+          </a:xfrm>
+          <a:prstGeom prst="roundRect">
+            <a:avLst/>
+          </a:prstGeom>
+        </p:spPr>
+        <p:style>
+          <a:lnRef idx="2">
+            <a:schemeClr val="dk1">
+              <a:shade val="50000"/>
+            </a:schemeClr>
+          </a:lnRef>
+          <a:fillRef idx="1">
+            <a:schemeClr val="dk1"/>
+          </a:fillRef>
+          <a:effectRef idx="0">
+            <a:schemeClr val="dk1"/>
+          </a:effectRef>
+          <a:fontRef idx="minor">
+            <a:schemeClr val="lt1"/>
+          </a:fontRef>
+        </p:style>
+        <p:txBody>
+          <a:bodyPr rtlCol="0" anchor="ctr"/>
+          <a:lstStyle/>
+          <a:p>
+            <a:pPr algn="ctr"/>
+            <a:endParaRPr lang="en-US"/>
+          </a:p>
+        </p:txBody>
+      </p:sp>
+      <p:sp>
+        <p:nvSpPr>
+          <p:cNvPr id="24" name="Rounded Rectangle 23"/>
+          <p:cNvSpPr/>
+          <p:nvPr/>
+        </p:nvSpPr>
+        <p:spPr>
+          <a:xfrm>
+            <a:off x="5500694" y="4614786"/>
+            <a:ext cx="142876" cy="142876"/>
+          </a:xfrm>
+          <a:prstGeom prst="roundRect">
+            <a:avLst/>
+          </a:prstGeom>
+        </p:spPr>
+        <p:style>
+          <a:lnRef idx="2">
+            <a:schemeClr val="dk1">
+              <a:shade val="50000"/>
+            </a:schemeClr>
+          </a:lnRef>
+          <a:fillRef idx="1">
+            <a:schemeClr val="dk1"/>
+          </a:fillRef>
+          <a:effectRef idx="0">
+            <a:schemeClr val="dk1"/>
+          </a:effectRef>
+          <a:fontRef idx="minor">
+            <a:schemeClr val="lt1"/>
+          </a:fontRef>
+        </p:style>
+        <p:txBody>
+          <a:bodyPr rtlCol="0" anchor="ctr"/>
+          <a:lstStyle/>
+          <a:p>
+            <a:pPr algn="ctr"/>
+            <a:endParaRPr lang="en-US"/>
+          </a:p>
+        </p:txBody>
+      </p:sp>
+      <p:sp>
+        <p:nvSpPr>
+          <p:cNvPr id="25" name="Rounded Rectangle 24"/>
+          <p:cNvSpPr/>
+          <p:nvPr/>
+        </p:nvSpPr>
+        <p:spPr>
+          <a:xfrm>
+            <a:off x="5786446" y="4614786"/>
+            <a:ext cx="142876" cy="142876"/>
+          </a:xfrm>
+          <a:prstGeom prst="roundRect">
+            <a:avLst/>
+          </a:prstGeom>
+        </p:spPr>
+        <p:style>
+          <a:lnRef idx="2">
+            <a:schemeClr val="dk1">
+              <a:shade val="50000"/>
+            </a:schemeClr>
+          </a:lnRef>
+          <a:fillRef idx="1">
+            <a:schemeClr val="dk1"/>
+          </a:fillRef>
+          <a:effectRef idx="0">
+            <a:schemeClr val="dk1"/>
+          </a:effectRef>
+          <a:fontRef idx="minor">
+            <a:schemeClr val="lt1"/>
+          </a:fontRef>
+        </p:style>
+        <p:txBody>
+          <a:bodyPr rtlCol="0" anchor="ctr"/>
+          <a:lstStyle/>
+          <a:p>
+            <a:pPr algn="ctr"/>
+            <a:endParaRPr lang="en-US"/>
+          </a:p>
+        </p:txBody>
+      </p:sp>
+      <p:sp>
+        <p:nvSpPr>
+          <p:cNvPr id="26" name="Rounded Rectangle 25"/>
+          <p:cNvSpPr/>
+          <p:nvPr/>
+        </p:nvSpPr>
+        <p:spPr>
+          <a:xfrm>
+            <a:off x="6072198" y="4614786"/>
+            <a:ext cx="142876" cy="142876"/>
+          </a:xfrm>
+          <a:prstGeom prst="roundRect">
+            <a:avLst/>
+          </a:prstGeom>
+        </p:spPr>
+        <p:style>
+          <a:lnRef idx="2">
+            <a:schemeClr val="dk1">
+              <a:shade val="50000"/>
+            </a:schemeClr>
+          </a:lnRef>
+          <a:fillRef idx="1">
+            <a:schemeClr val="dk1"/>
+          </a:fillRef>
+          <a:effectRef idx="0">
+            <a:schemeClr val="dk1"/>
+          </a:effectRef>
+          <a:fontRef idx="minor">
+            <a:schemeClr val="lt1"/>
+          </a:fontRef>
+        </p:style>
+        <p:txBody>
+          <a:bodyPr rtlCol="0" anchor="ctr"/>
+          <a:lstStyle/>
+          <a:p>
+            <a:pPr algn="ctr"/>
+            <a:endParaRPr lang="en-US"/>
+          </a:p>
+        </p:txBody>
+      </p:sp>
+      <p:sp>
+        <p:nvSpPr>
+          <p:cNvPr id="27" name="Rounded Rectangle 26"/>
+          <p:cNvSpPr/>
+          <p:nvPr/>
+        </p:nvSpPr>
+        <p:spPr>
+          <a:xfrm>
+            <a:off x="6357950" y="4614786"/>
+            <a:ext cx="142876" cy="142876"/>
+          </a:xfrm>
+          <a:prstGeom prst="roundRect">
+            <a:avLst/>
+          </a:prstGeom>
+        </p:spPr>
+        <p:style>
+          <a:lnRef idx="2">
+            <a:schemeClr val="dk1">
+              <a:shade val="50000"/>
+            </a:schemeClr>
+          </a:lnRef>
+          <a:fillRef idx="1">
+            <a:schemeClr val="dk1"/>
+          </a:fillRef>
+          <a:effectRef idx="0">
+            <a:schemeClr val="dk1"/>
+          </a:effectRef>
+          <a:fontRef idx="minor">
+            <a:schemeClr val="lt1"/>
+          </a:fontRef>
+        </p:style>
+        <p:txBody>
+          <a:bodyPr rtlCol="0" anchor="ctr"/>
+          <a:lstStyle/>
+          <a:p>
+            <a:pPr algn="ctr"/>
+            <a:endParaRPr lang="en-US"/>
+          </a:p>
+        </p:txBody>
+      </p:sp>
+      <p:sp>
+        <p:nvSpPr>
+          <p:cNvPr id="28" name="Rounded Rectangle 27"/>
+          <p:cNvSpPr/>
+          <p:nvPr/>
+        </p:nvSpPr>
+        <p:spPr>
+          <a:xfrm>
+            <a:off x="6643702" y="4614786"/>
+            <a:ext cx="142876" cy="142876"/>
+          </a:xfrm>
+          <a:prstGeom prst="roundRect">
+            <a:avLst/>
+          </a:prstGeom>
+        </p:spPr>
+        <p:style>
+          <a:lnRef idx="2">
+            <a:schemeClr val="dk1">
+              <a:shade val="50000"/>
+            </a:schemeClr>
+          </a:lnRef>
+          <a:fillRef idx="1">
+            <a:schemeClr val="dk1"/>
+          </a:fillRef>
+          <a:effectRef idx="0">
+            <a:schemeClr val="dk1"/>
+          </a:effectRef>
+          <a:fontRef idx="minor">
+            <a:schemeClr val="lt1"/>
+          </a:fontRef>
+        </p:style>
+        <p:txBody>
+          <a:bodyPr rtlCol="0" anchor="ctr"/>
+          <a:lstStyle/>
+          <a:p>
+            <a:pPr algn="ctr"/>
+            <a:endParaRPr lang="en-US"/>
+          </a:p>
+        </p:txBody>
+      </p:sp>
+      <p:sp>
+        <p:nvSpPr>
+          <p:cNvPr id="29" name="Rounded Rectangle 28"/>
+          <p:cNvSpPr/>
+          <p:nvPr/>
+        </p:nvSpPr>
+        <p:spPr>
+          <a:xfrm>
+            <a:off x="6929454" y="4614786"/>
+            <a:ext cx="142876" cy="142876"/>
+          </a:xfrm>
+          <a:prstGeom prst="roundRect">
+            <a:avLst/>
+          </a:prstGeom>
+        </p:spPr>
+        <p:style>
+          <a:lnRef idx="2">
+            <a:schemeClr val="dk1">
+              <a:shade val="50000"/>
+            </a:schemeClr>
+          </a:lnRef>
+          <a:fillRef idx="1">
+            <a:schemeClr val="dk1"/>
+          </a:fillRef>
+          <a:effectRef idx="0">
+            <a:schemeClr val="dk1"/>
+          </a:effectRef>
+          <a:fontRef idx="minor">
+            <a:schemeClr val="lt1"/>
+          </a:fontRef>
+        </p:style>
+        <p:txBody>
+          <a:bodyPr rtlCol="0" anchor="ctr"/>
+          <a:lstStyle/>
+          <a:p>
+            <a:pPr algn="ctr"/>
+            <a:endParaRPr lang="en-US"/>
+          </a:p>
+        </p:txBody>
+      </p:sp>
+      <p:sp>
+        <p:nvSpPr>
+          <p:cNvPr id="30" name="Rounded Rectangle 29"/>
+          <p:cNvSpPr/>
+          <p:nvPr/>
+        </p:nvSpPr>
+        <p:spPr>
+          <a:xfrm>
+            <a:off x="7215206" y="4614786"/>
+            <a:ext cx="142876" cy="142876"/>
+          </a:xfrm>
+          <a:prstGeom prst="roundRect">
+            <a:avLst/>
+          </a:prstGeom>
+        </p:spPr>
+        <p:style>
+          <a:lnRef idx="2">
+            <a:schemeClr val="dk1">
+              <a:shade val="50000"/>
+            </a:schemeClr>
+          </a:lnRef>
+          <a:fillRef idx="1">
+            <a:schemeClr val="dk1"/>
+          </a:fillRef>
+          <a:effectRef idx="0">
+            <a:schemeClr val="dk1"/>
+          </a:effectRef>
+          <a:fontRef idx="minor">
+            <a:schemeClr val="lt1"/>
+          </a:fontRef>
+        </p:style>
+        <p:txBody>
+          <a:bodyPr rtlCol="0" anchor="ctr"/>
+          <a:lstStyle/>
+          <a:p>
+            <a:pPr algn="ctr"/>
+            <a:endParaRPr lang="en-US"/>
+          </a:p>
+        </p:txBody>
+      </p:sp>
+      <p:sp>
+        <p:nvSpPr>
+          <p:cNvPr id="31" name="Rounded Rectangle 30"/>
+          <p:cNvSpPr/>
+          <p:nvPr/>
+        </p:nvSpPr>
+        <p:spPr>
+          <a:xfrm>
+            <a:off x="7500958" y="4614786"/>
+            <a:ext cx="142876" cy="142876"/>
+          </a:xfrm>
+          <a:prstGeom prst="roundRect">
+            <a:avLst/>
+          </a:prstGeom>
+        </p:spPr>
+        <p:style>
+          <a:lnRef idx="2">
+            <a:schemeClr val="dk1">
+              <a:shade val="50000"/>
+            </a:schemeClr>
+          </a:lnRef>
+          <a:fillRef idx="1">
+            <a:schemeClr val="dk1"/>
+          </a:fillRef>
+          <a:effectRef idx="0">
+            <a:schemeClr val="dk1"/>
+          </a:effectRef>
+          <a:fontRef idx="minor">
+            <a:schemeClr val="lt1"/>
+          </a:fontRef>
+        </p:style>
+        <p:txBody>
+          <a:bodyPr rtlCol="0" anchor="ctr"/>
+          <a:lstStyle/>
+          <a:p>
+            <a:pPr algn="ctr"/>
+            <a:endParaRPr lang="en-US"/>
+          </a:p>
+        </p:txBody>
+      </p:sp>
+      <p:grpSp>
+        <p:nvGrpSpPr>
+          <p:cNvPr id="41" name="Group 40"/>
+          <p:cNvGrpSpPr/>
+          <p:nvPr/>
+        </p:nvGrpSpPr>
+        <p:grpSpPr>
+          <a:xfrm>
+            <a:off x="2285984" y="3828968"/>
+            <a:ext cx="1571636" cy="714380"/>
+            <a:chOff x="2285984" y="2714620"/>
+            <a:chExt cx="1571636" cy="714380"/>
+          </a:xfrm>
+        </p:grpSpPr>
+        <p:sp>
+          <p:nvSpPr>
+            <p:cNvPr id="39" name="Oval 38"/>
+            <p:cNvSpPr/>
+            <p:nvPr/>
+          </p:nvSpPr>
+          <p:spPr>
+            <a:xfrm>
+              <a:off x="2571736" y="3214686"/>
+              <a:ext cx="285752" cy="214314"/>
+            </a:xfrm>
+            <a:prstGeom prst="ellipse">
+              <a:avLst/>
+            </a:prstGeom>
+          </p:spPr>
+          <p:style>
+            <a:lnRef idx="2">
+              <a:schemeClr val="accent1">
+                <a:shade val="50000"/>
+              </a:schemeClr>
+            </a:lnRef>
+            <a:fillRef idx="1">
+              <a:schemeClr val="accent1"/>
+            </a:fillRef>
+            <a:effectRef idx="0">
+              <a:schemeClr val="accent1"/>
+            </a:effectRef>
+            <a:fontRef idx="minor">
+              <a:schemeClr val="lt1"/>
+            </a:fontRef>
+          </p:style>
+          <p:txBody>
+            <a:bodyPr rtlCol="0" anchor="ctr"/>
+            <a:lstStyle/>
+            <a:p>
+              <a:pPr algn="ctr"/>
+              <a:endParaRPr lang="en-US"/>
+            </a:p>
+          </p:txBody>
+        </p:sp>
+        <p:sp>
+          <p:nvSpPr>
+            <p:cNvPr id="40" name="Oval 39"/>
+            <p:cNvSpPr/>
+            <p:nvPr/>
+          </p:nvSpPr>
+          <p:spPr>
+            <a:xfrm>
+              <a:off x="3286116" y="3214686"/>
+              <a:ext cx="285752" cy="214314"/>
+            </a:xfrm>
+            <a:prstGeom prst="ellipse">
+              <a:avLst/>
+            </a:prstGeom>
+          </p:spPr>
+          <p:style>
+            <a:lnRef idx="2">
+              <a:schemeClr val="accent1">
+                <a:shade val="50000"/>
+              </a:schemeClr>
+            </a:lnRef>
+            <a:fillRef idx="1">
+              <a:schemeClr val="accent1"/>
+            </a:fillRef>
+            <a:effectRef idx="0">
+              <a:schemeClr val="accent1"/>
+            </a:effectRef>
+            <a:fontRef idx="minor">
+              <a:schemeClr val="lt1"/>
+            </a:fontRef>
+          </p:style>
+          <p:txBody>
+            <a:bodyPr rtlCol="0" anchor="ctr"/>
+            <a:lstStyle/>
+            <a:p>
+              <a:pPr algn="ctr"/>
+              <a:endParaRPr lang="en-US"/>
+            </a:p>
+          </p:txBody>
+        </p:sp>
+        <p:sp>
+          <p:nvSpPr>
+            <p:cNvPr id="37" name="Rounded Rectangle 36"/>
+            <p:cNvSpPr/>
+            <p:nvPr/>
+          </p:nvSpPr>
+          <p:spPr>
+            <a:xfrm>
+              <a:off x="2285984" y="2714620"/>
+              <a:ext cx="1571636" cy="571504"/>
+            </a:xfrm>
+            <a:prstGeom prst="roundRect">
+              <a:avLst/>
+            </a:prstGeom>
+          </p:spPr>
+          <p:style>
+            <a:lnRef idx="3">
+              <a:schemeClr val="lt1"/>
+            </a:lnRef>
+            <a:fillRef idx="1">
+              <a:schemeClr val="accent2"/>
+            </a:fillRef>
+            <a:effectRef idx="1">
+              <a:schemeClr val="accent2"/>
+            </a:effectRef>
+            <a:fontRef idx="minor">
+              <a:schemeClr val="lt1"/>
+            </a:fontRef>
+          </p:style>
+          <p:txBody>
+            <a:bodyPr rtlCol="0" anchor="ctr"/>
+            <a:lstStyle/>
+            <a:p>
+              <a:pPr algn="ctr"/>
+              <a:endParaRPr lang="en-US"/>
+            </a:p>
+          </p:txBody>
+        </p:sp>
+      </p:grpSp>
+      <p:grpSp>
+        <p:nvGrpSpPr>
+          <p:cNvPr id="42" name="Group 41"/>
+          <p:cNvGrpSpPr/>
+          <p:nvPr/>
+        </p:nvGrpSpPr>
+        <p:grpSpPr>
+          <a:xfrm>
+            <a:off x="4214810" y="3828968"/>
+            <a:ext cx="1571636" cy="714380"/>
+            <a:chOff x="2285984" y="2714620"/>
+            <a:chExt cx="1571636" cy="714380"/>
+          </a:xfrm>
+        </p:grpSpPr>
+        <p:sp>
+          <p:nvSpPr>
+            <p:cNvPr id="43" name="Oval 42"/>
+            <p:cNvSpPr/>
+            <p:nvPr/>
+          </p:nvSpPr>
+          <p:spPr>
+            <a:xfrm>
+              <a:off x="2571736" y="3214686"/>
+              <a:ext cx="285752" cy="214314"/>
+            </a:xfrm>
+            <a:prstGeom prst="ellipse">
+              <a:avLst/>
+            </a:prstGeom>
+          </p:spPr>
+          <p:style>
+            <a:lnRef idx="2">
+              <a:schemeClr val="accent1">
+                <a:shade val="50000"/>
+              </a:schemeClr>
+            </a:lnRef>
+            <a:fillRef idx="1">
+              <a:schemeClr val="accent1"/>
+            </a:fillRef>
+            <a:effectRef idx="0">
+              <a:schemeClr val="accent1"/>
+            </a:effectRef>
+            <a:fontRef idx="minor">
+              <a:schemeClr val="lt1"/>
+            </a:fontRef>
+          </p:style>
+          <p:txBody>
+            <a:bodyPr rtlCol="0" anchor="ctr"/>
+            <a:lstStyle/>
+            <a:p>
+              <a:pPr algn="ctr"/>
+              <a:endParaRPr lang="en-US"/>
+            </a:p>
+          </p:txBody>
+        </p:sp>
+        <p:sp>
+          <p:nvSpPr>
+            <p:cNvPr id="44" name="Oval 43"/>
+            <p:cNvSpPr/>
+            <p:nvPr/>
+          </p:nvSpPr>
+          <p:spPr>
+            <a:xfrm>
+              <a:off x="3286116" y="3214686"/>
+              <a:ext cx="285752" cy="214314"/>
+            </a:xfrm>
+            <a:prstGeom prst="ellipse">
+              <a:avLst/>
+            </a:prstGeom>
+          </p:spPr>
+          <p:style>
+            <a:lnRef idx="2">
+              <a:schemeClr val="accent1">
+                <a:shade val="50000"/>
+              </a:schemeClr>
+            </a:lnRef>
+            <a:fillRef idx="1">
+              <a:schemeClr val="accent1"/>
+            </a:fillRef>
+            <a:effectRef idx="0">
+              <a:schemeClr val="accent1"/>
+            </a:effectRef>
+            <a:fontRef idx="minor">
+              <a:schemeClr val="lt1"/>
+            </a:fontRef>
+          </p:style>
+          <p:txBody>
+            <a:bodyPr rtlCol="0" anchor="ctr"/>
+            <a:lstStyle/>
+            <a:p>
+              <a:pPr algn="ctr"/>
+              <a:endParaRPr lang="en-US"/>
+            </a:p>
+          </p:txBody>
+        </p:sp>
+        <p:sp>
+          <p:nvSpPr>
+            <p:cNvPr id="45" name="Rounded Rectangle 44"/>
+            <p:cNvSpPr/>
+            <p:nvPr/>
+          </p:nvSpPr>
+          <p:spPr>
+            <a:xfrm>
+              <a:off x="2285984" y="2714620"/>
+              <a:ext cx="1571636" cy="571504"/>
+            </a:xfrm>
+            <a:prstGeom prst="roundRect">
+              <a:avLst/>
+            </a:prstGeom>
+          </p:spPr>
+          <p:style>
+            <a:lnRef idx="2">
+              <a:schemeClr val="accent6">
+                <a:shade val="50000"/>
+              </a:schemeClr>
+            </a:lnRef>
+            <a:fillRef idx="1">
+              <a:schemeClr val="accent6"/>
+            </a:fillRef>
+            <a:effectRef idx="0">
+              <a:schemeClr val="accent6"/>
+            </a:effectRef>
+            <a:fontRef idx="minor">
+              <a:schemeClr val="lt1"/>
+            </a:fontRef>
+          </p:style>
+          <p:txBody>
+            <a:bodyPr rtlCol="0" anchor="ctr"/>
+            <a:lstStyle/>
+            <a:p>
+              <a:pPr algn="ctr"/>
+              <a:endParaRPr lang="en-US"/>
+            </a:p>
+          </p:txBody>
+        </p:sp>
+      </p:grpSp>
+      <p:cxnSp>
+        <p:nvCxnSpPr>
+          <p:cNvPr id="47" name="Straight Arrow Connector 46"/>
+          <p:cNvCxnSpPr/>
+          <p:nvPr/>
+        </p:nvCxnSpPr>
+        <p:spPr>
+          <a:xfrm>
+            <a:off x="3857620" y="4329034"/>
+            <a:ext cx="357190" cy="1588"/>
+          </a:xfrm>
+          <a:prstGeom prst="straightConnector1">
+            <a:avLst/>
+          </a:prstGeom>
+          <a:ln cap="sq">
+            <a:headEnd type="arrow"/>
+            <a:tailEnd type="arrow"/>
+          </a:ln>
+        </p:spPr>
+        <p:style>
+          <a:lnRef idx="1">
+            <a:schemeClr val="accent1"/>
+          </a:lnRef>
+          <a:fillRef idx="0">
+            <a:schemeClr val="accent1"/>
+          </a:fillRef>
+          <a:effectRef idx="0">
+            <a:schemeClr val="accent1"/>
+          </a:effectRef>
+          <a:fontRef idx="minor">
+            <a:schemeClr val="tx1"/>
+          </a:fontRef>
+        </p:style>
+      </p:cxnSp>
+      <p:grpSp>
+        <p:nvGrpSpPr>
+          <p:cNvPr id="48" name="Group 47"/>
+          <p:cNvGrpSpPr/>
+          <p:nvPr/>
+        </p:nvGrpSpPr>
+        <p:grpSpPr>
+          <a:xfrm rot="15508133">
+            <a:off x="1847042" y="3808925"/>
+            <a:ext cx="848398" cy="731919"/>
+            <a:chOff x="6146799" y="2451668"/>
+            <a:chExt cx="848398" cy="731919"/>
+          </a:xfrm>
+        </p:grpSpPr>
+        <p:sp>
+          <p:nvSpPr>
+            <p:cNvPr id="49" name="Arc 48"/>
+            <p:cNvSpPr/>
+            <p:nvPr/>
+          </p:nvSpPr>
+          <p:spPr>
+            <a:xfrm rot="9757941">
+              <a:off x="6146799" y="2451668"/>
+              <a:ext cx="786334" cy="619930"/>
+            </a:xfrm>
+            <a:prstGeom prst="arc">
+              <a:avLst>
+                <a:gd name="adj1" fmla="val 1937855"/>
+                <a:gd name="adj2" fmla="val 8446862"/>
+              </a:avLst>
+            </a:prstGeom>
+            <a:ln>
+              <a:prstDash val="dashDot"/>
+            </a:ln>
+          </p:spPr>
+          <p:style>
+            <a:lnRef idx="1">
+              <a:schemeClr val="accent2"/>
+            </a:lnRef>
+            <a:fillRef idx="0">
+              <a:schemeClr val="accent2"/>
+            </a:fillRef>
+            <a:effectRef idx="0">
+              <a:schemeClr val="accent2"/>
+            </a:effectRef>
+            <a:fontRef idx="minor">
+              <a:schemeClr val="tx1"/>
+            </a:fontRef>
+          </p:style>
+          <p:txBody>
+            <a:bodyPr rtlCol="0" anchor="ctr"/>
+            <a:lstStyle/>
+            <a:p>
+              <a:pPr algn="ctr"/>
+              <a:endParaRPr lang="en-US"/>
+            </a:p>
+          </p:txBody>
+        </p:sp>
+        <p:sp>
+          <p:nvSpPr>
+            <p:cNvPr id="50" name="Arc 49"/>
+            <p:cNvSpPr/>
+            <p:nvPr/>
+          </p:nvSpPr>
+          <p:spPr>
+            <a:xfrm rot="9445716">
+              <a:off x="6208863" y="2533281"/>
+              <a:ext cx="786334" cy="650306"/>
+            </a:xfrm>
+            <a:prstGeom prst="arc">
+              <a:avLst>
+                <a:gd name="adj1" fmla="val 3126888"/>
+                <a:gd name="adj2" fmla="val 7537422"/>
+              </a:avLst>
+            </a:prstGeom>
+            <a:ln>
+              <a:prstDash val="dash"/>
+            </a:ln>
+          </p:spPr>
+          <p:style>
+            <a:lnRef idx="1">
+              <a:schemeClr val="accent2"/>
+            </a:lnRef>
+            <a:fillRef idx="0">
+              <a:schemeClr val="accent2"/>
+            </a:fillRef>
+            <a:effectRef idx="0">
+              <a:schemeClr val="accent2"/>
+            </a:effectRef>
+            <a:fontRef idx="minor">
+              <a:schemeClr val="tx1"/>
+            </a:fontRef>
+          </p:style>
+          <p:txBody>
+            <a:bodyPr rtlCol="0" anchor="ctr"/>
+            <a:lstStyle/>
+            <a:p>
+              <a:pPr algn="ctr"/>
+              <a:endParaRPr lang="en-US"/>
+            </a:p>
+          </p:txBody>
+        </p:sp>
+        <p:sp>
+          <p:nvSpPr>
+            <p:cNvPr id="51" name="Arc 50"/>
+            <p:cNvSpPr/>
+            <p:nvPr/>
+          </p:nvSpPr>
+          <p:spPr>
+            <a:xfrm rot="10520168">
+              <a:off x="6372883" y="2659900"/>
+              <a:ext cx="426868" cy="384670"/>
+            </a:xfrm>
+            <a:prstGeom prst="arc">
+              <a:avLst>
+                <a:gd name="adj1" fmla="val 2623371"/>
+                <a:gd name="adj2" fmla="val 6093389"/>
+              </a:avLst>
+            </a:prstGeom>
+            <a:ln>
+              <a:prstDash val="dashDot"/>
+            </a:ln>
+          </p:spPr>
+          <p:style>
+            <a:lnRef idx="1">
+              <a:schemeClr val="accent2"/>
+            </a:lnRef>
+            <a:fillRef idx="0">
+              <a:schemeClr val="accent2"/>
+            </a:fillRef>
+            <a:effectRef idx="0">
+              <a:schemeClr val="accent2"/>
+            </a:effectRef>
+            <a:fontRef idx="minor">
+              <a:schemeClr val="tx1"/>
+            </a:fontRef>
+          </p:style>
+          <p:txBody>
+            <a:bodyPr rtlCol="0" anchor="ctr"/>
+            <a:lstStyle/>
+            <a:p>
+              <a:pPr algn="ctr"/>
+              <a:endParaRPr lang="en-US"/>
+            </a:p>
+          </p:txBody>
+        </p:sp>
+      </p:grpSp>
+      <p:sp>
+        <p:nvSpPr>
+          <p:cNvPr id="52" name="Oval 51"/>
+          <p:cNvSpPr/>
+          <p:nvPr/>
+        </p:nvSpPr>
+        <p:spPr>
+          <a:xfrm>
+            <a:off x="2285984" y="4186158"/>
+            <a:ext cx="142876" cy="142876"/>
+          </a:xfrm>
+          <a:prstGeom prst="ellipse">
+            <a:avLst/>
+          </a:prstGeom>
+        </p:spPr>
+        <p:style>
+          <a:lnRef idx="2">
+            <a:schemeClr val="accent1">
+              <a:shade val="50000"/>
+            </a:schemeClr>
+          </a:lnRef>
+          <a:fillRef idx="1">
+            <a:schemeClr val="accent1"/>
+          </a:fillRef>
+          <a:effectRef idx="0">
+            <a:schemeClr val="accent1"/>
+          </a:effectRef>
+          <a:fontRef idx="minor">
+            <a:schemeClr val="lt1"/>
+          </a:fontRef>
+        </p:style>
+        <p:txBody>
+          <a:bodyPr rtlCol="0" anchor="ctr"/>
+          <a:lstStyle/>
+          <a:p>
+            <a:pPr algn="ctr"/>
+            <a:endParaRPr lang="en-US"/>
+          </a:p>
+        </p:txBody>
+      </p:sp>
+      <p:sp>
+        <p:nvSpPr>
+          <p:cNvPr id="53" name="Flowchart: Predefined Process 52"/>
+          <p:cNvSpPr/>
+          <p:nvPr/>
+        </p:nvSpPr>
+        <p:spPr>
+          <a:xfrm>
+            <a:off x="2714612" y="4043282"/>
+            <a:ext cx="857256" cy="285752"/>
+          </a:xfrm>
+          <a:prstGeom prst="flowChartPredefinedProcess">
+            <a:avLst/>
+          </a:prstGeom>
+        </p:spPr>
+        <p:style>
+          <a:lnRef idx="2">
+            <a:schemeClr val="accent1">
+              <a:shade val="50000"/>
+            </a:schemeClr>
+          </a:lnRef>
+          <a:fillRef idx="1">
+            <a:schemeClr val="accent1"/>
+          </a:fillRef>
+          <a:effectRef idx="0">
+            <a:schemeClr val="accent1"/>
+          </a:effectRef>
+          <a:fontRef idx="minor">
+            <a:schemeClr val="lt1"/>
+          </a:fontRef>
+        </p:style>
+        <p:txBody>
+          <a:bodyPr rtlCol="0" anchor="ctr"/>
+          <a:lstStyle/>
+          <a:p>
+            <a:pPr algn="ctr"/>
+            <a:endParaRPr lang="en-US"/>
+          </a:p>
+        </p:txBody>
+      </p:sp>
+      <p:sp>
+        <p:nvSpPr>
+          <p:cNvPr id="54" name="Bevel 53"/>
+          <p:cNvSpPr/>
+          <p:nvPr/>
+        </p:nvSpPr>
+        <p:spPr>
+          <a:xfrm>
+            <a:off x="4500562" y="3971844"/>
+            <a:ext cx="571504" cy="285752"/>
+          </a:xfrm>
+          <a:prstGeom prst="bevel">
+            <a:avLst/>
+          </a:prstGeom>
+        </p:spPr>
+        <p:style>
+          <a:lnRef idx="2">
+            <a:schemeClr val="accent1">
+              <a:shade val="50000"/>
+            </a:schemeClr>
+          </a:lnRef>
+          <a:fillRef idx="1">
+            <a:schemeClr val="accent1"/>
+          </a:fillRef>
+          <a:effectRef idx="0">
+            <a:schemeClr val="accent1"/>
+          </a:effectRef>
+          <a:fontRef idx="minor">
+            <a:schemeClr val="lt1"/>
+          </a:fontRef>
+        </p:style>
+        <p:txBody>
+          <a:bodyPr rtlCol="0" anchor="ctr"/>
+          <a:lstStyle/>
+          <a:p>
+            <a:pPr algn="ctr"/>
+            <a:endParaRPr lang="en-US"/>
+          </a:p>
+        </p:txBody>
+      </p:sp>
+      <p:sp>
+        <p:nvSpPr>
+          <p:cNvPr id="55" name="Snip and Round Single Corner Rectangle 54"/>
+          <p:cNvSpPr/>
+          <p:nvPr/>
+        </p:nvSpPr>
+        <p:spPr>
+          <a:xfrm>
+            <a:off x="5214942" y="4043282"/>
+            <a:ext cx="500066" cy="214314"/>
+          </a:xfrm>
+          <a:prstGeom prst="snipRoundRect">
+            <a:avLst/>
+          </a:prstGeom>
+        </p:spPr>
+        <p:style>
+          <a:lnRef idx="2">
+            <a:schemeClr val="accent1">
+              <a:shade val="50000"/>
+            </a:schemeClr>
+          </a:lnRef>
+          <a:fillRef idx="1">
+            <a:schemeClr val="accent1"/>
+          </a:fillRef>
+          <a:effectRef idx="0">
+            <a:schemeClr val="accent1"/>
+          </a:effectRef>
+          <a:fontRef idx="minor">
+            <a:schemeClr val="lt1"/>
+          </a:fontRef>
+        </p:style>
+        <p:txBody>
+          <a:bodyPr rtlCol="0" anchor="ctr"/>
+          <a:lstStyle/>
+          <a:p>
+            <a:pPr algn="ctr"/>
+            <a:r>
+              <a:rPr lang="en-US" dirty="0" smtClean="0"/>
+              <a:t>+ -</a:t>
+            </a:r>
+            <a:endParaRPr lang="en-US" dirty="0"/>
+          </a:p>
+        </p:txBody>
+      </p:sp>
+      <p:cxnSp>
+        <p:nvCxnSpPr>
+          <p:cNvPr id="57" name="Curved Connector 25"/>
+          <p:cNvCxnSpPr>
+            <a:stCxn id="52" idx="4"/>
+            <a:endCxn id="59" idx="0"/>
+          </p:cNvCxnSpPr>
+          <p:nvPr/>
+        </p:nvCxnSpPr>
+        <p:spPr>
+          <a:xfrm rot="5400000">
+            <a:off x="1146542" y="4332600"/>
+            <a:ext cx="1214446" cy="1207314"/>
+          </a:xfrm>
+          <a:prstGeom prst="curvedConnector3">
+            <a:avLst>
+              <a:gd name="adj1" fmla="val 50000"/>
+            </a:avLst>
+          </a:prstGeom>
+          <a:ln w="6350">
+            <a:solidFill>
+              <a:schemeClr val="accent4">
+                <a:lumMod val="50000"/>
+              </a:schemeClr>
+            </a:solidFill>
+            <a:prstDash val="sysDot"/>
+            <a:tailEnd type="arrow"/>
+          </a:ln>
+        </p:spPr>
+        <p:style>
+          <a:lnRef idx="3">
+            <a:schemeClr val="accent2"/>
+          </a:lnRef>
+          <a:fillRef idx="0">
+            <a:schemeClr val="accent2"/>
+          </a:fillRef>
+          <a:effectRef idx="2">
+            <a:schemeClr val="accent2"/>
+          </a:effectRef>
+          <a:fontRef idx="minor">
+            <a:schemeClr val="tx1"/>
+          </a:fontRef>
+        </p:style>
+      </p:cxnSp>
+      <p:sp>
+        <p:nvSpPr>
+          <p:cNvPr id="59" name="TextBox 58"/>
+          <p:cNvSpPr txBox="1"/>
+          <p:nvPr/>
+        </p:nvSpPr>
+        <p:spPr>
+          <a:xfrm>
+            <a:off x="428596" y="5543480"/>
+            <a:ext cx="1443024" cy="307777"/>
+          </a:xfrm>
+          <a:prstGeom prst="rect">
+            <a:avLst/>
+          </a:prstGeom>
+          <a:noFill/>
+          <a:ln>
+            <a:noFill/>
+          </a:ln>
+          <a:effectLst/>
+        </p:spPr>
+        <p:style>
+          <a:lnRef idx="1">
+            <a:schemeClr val="dk1"/>
+          </a:lnRef>
+          <a:fillRef idx="2">
+            <a:schemeClr val="dk1"/>
+          </a:fillRef>
+          <a:effectRef idx="1">
+            <a:schemeClr val="dk1"/>
+          </a:effectRef>
+          <a:fontRef idx="minor">
+            <a:schemeClr val="dk1"/>
+          </a:fontRef>
+        </p:style>
+        <p:txBody>
+          <a:bodyPr wrap="none" rtlCol="0">
+            <a:spAutoFit/>
+          </a:bodyPr>
+          <a:lstStyle/>
+          <a:p>
+            <a:r>
+              <a:rPr lang="en-US" sz="1400" dirty="0">
+                <a:latin typeface="Arial Black" pitchFamily="34" charset="0"/>
+              </a:rPr>
+              <a:t>Color Sensor</a:t>
+            </a:r>
+          </a:p>
+        </p:txBody>
+      </p:sp>
+      <p:sp>
+        <p:nvSpPr>
+          <p:cNvPr id="61" name="Rectangle 60"/>
+          <p:cNvSpPr/>
+          <p:nvPr/>
+        </p:nvSpPr>
+        <p:spPr>
+          <a:xfrm>
+            <a:off x="3500430" y="5543480"/>
+            <a:ext cx="1199367" cy="369332"/>
+          </a:xfrm>
+          <a:prstGeom prst="rect">
+            <a:avLst/>
+          </a:prstGeom>
+        </p:spPr>
+        <p:txBody>
+          <a:bodyPr wrap="none">
+            <a:spAutoFit/>
+          </a:bodyPr>
+          <a:lstStyle/>
+          <a:p>
+            <a:r>
+              <a:rPr lang="en-US" sz="1400" dirty="0">
+                <a:solidFill>
+                  <a:schemeClr val="dk1"/>
+                </a:solidFill>
+                <a:latin typeface="Arial Black" pitchFamily="34" charset="0"/>
+              </a:rPr>
+              <a:t>LEGO</a:t>
+            </a:r>
+            <a:r>
+              <a:rPr lang="en-US" dirty="0" smtClean="0">
+                <a:solidFill>
+                  <a:schemeClr val="tx1"/>
+                </a:solidFill>
+                <a:latin typeface="Arial Black" pitchFamily="34" charset="0"/>
+              </a:rPr>
+              <a:t> </a:t>
+            </a:r>
+            <a:r>
+              <a:rPr lang="en-US" sz="1400" dirty="0">
+                <a:solidFill>
+                  <a:schemeClr val="dk1"/>
+                </a:solidFill>
+                <a:latin typeface="Arial Black" pitchFamily="34" charset="0"/>
+              </a:rPr>
+              <a:t>Hub</a:t>
+            </a:r>
+          </a:p>
+        </p:txBody>
+      </p:sp>
+      <p:cxnSp>
+        <p:nvCxnSpPr>
+          <p:cNvPr id="62" name="Curved Connector 25"/>
+          <p:cNvCxnSpPr>
+            <a:endCxn id="61" idx="0"/>
+          </p:cNvCxnSpPr>
+          <p:nvPr/>
+        </p:nvCxnSpPr>
+        <p:spPr>
+          <a:xfrm rot="16200000" flipH="1">
+            <a:off x="2871578" y="4314944"/>
+            <a:ext cx="1357322" cy="1099750"/>
+          </a:xfrm>
+          <a:prstGeom prst="curvedConnector3">
+            <a:avLst>
+              <a:gd name="adj1" fmla="val 50000"/>
+            </a:avLst>
+          </a:prstGeom>
+          <a:ln w="6350">
+            <a:solidFill>
+              <a:schemeClr val="accent4">
+                <a:lumMod val="50000"/>
+              </a:schemeClr>
+            </a:solidFill>
+            <a:prstDash val="sysDot"/>
+            <a:tailEnd type="arrow"/>
+          </a:ln>
+        </p:spPr>
+        <p:style>
+          <a:lnRef idx="3">
+            <a:schemeClr val="accent2"/>
+          </a:lnRef>
+          <a:fillRef idx="0">
+            <a:schemeClr val="accent2"/>
+          </a:fillRef>
+          <a:effectRef idx="2">
+            <a:schemeClr val="accent2"/>
+          </a:effectRef>
+          <a:fontRef idx="minor">
+            <a:schemeClr val="tx1"/>
+          </a:fontRef>
+        </p:style>
+      </p:cxnSp>
+      <p:sp>
+        <p:nvSpPr>
+          <p:cNvPr id="65" name="Rectangle 64"/>
+          <p:cNvSpPr/>
+          <p:nvPr/>
+        </p:nvSpPr>
+        <p:spPr>
+          <a:xfrm>
+            <a:off x="6786578" y="685696"/>
+            <a:ext cx="2071702" cy="600164"/>
+          </a:xfrm>
+          <a:prstGeom prst="rect">
+            <a:avLst/>
+          </a:prstGeom>
+        </p:spPr>
+        <p:txBody>
+          <a:bodyPr wrap="square">
+            <a:spAutoFit/>
+          </a:bodyPr>
+          <a:lstStyle/>
+          <a:p>
+            <a:pPr algn="ctr"/>
+            <a:r>
+              <a:rPr lang="en-US" sz="1100" dirty="0" err="1" smtClean="0">
+                <a:solidFill>
+                  <a:schemeClr val="dk1"/>
+                </a:solidFill>
+                <a:latin typeface="Arial Black" pitchFamily="34" charset="0"/>
+              </a:rPr>
+              <a:t>Arduino</a:t>
+            </a:r>
+            <a:r>
+              <a:rPr lang="en-US" sz="1100" dirty="0" smtClean="0">
+                <a:solidFill>
+                  <a:schemeClr val="dk1"/>
+                </a:solidFill>
+                <a:latin typeface="Arial Black" pitchFamily="34" charset="0"/>
+              </a:rPr>
+              <a:t> ESP 32 </a:t>
+            </a:r>
+          </a:p>
+          <a:p>
+            <a:pPr algn="ctr"/>
+            <a:r>
+              <a:rPr lang="en-US" sz="1100" dirty="0" smtClean="0">
+                <a:solidFill>
+                  <a:schemeClr val="dk1"/>
+                </a:solidFill>
+                <a:latin typeface="Arial Black" pitchFamily="34" charset="0"/>
+              </a:rPr>
+              <a:t>with Wheel Rotation Sensor</a:t>
+            </a:r>
+            <a:endParaRPr lang="en-US" sz="1100" dirty="0">
+              <a:solidFill>
+                <a:schemeClr val="dk1"/>
+              </a:solidFill>
+              <a:latin typeface="Arial Black" pitchFamily="34" charset="0"/>
+            </a:endParaRPr>
+          </a:p>
+        </p:txBody>
+      </p:sp>
+      <p:cxnSp>
+        <p:nvCxnSpPr>
+          <p:cNvPr id="66" name="Curved Connector 25"/>
+          <p:cNvCxnSpPr>
+            <a:stCxn id="54" idx="5"/>
+          </p:cNvCxnSpPr>
+          <p:nvPr/>
+        </p:nvCxnSpPr>
+        <p:spPr>
+          <a:xfrm rot="10800000" flipH="1" flipV="1">
+            <a:off x="4536280" y="4114720"/>
+            <a:ext cx="1607355" cy="1428760"/>
+          </a:xfrm>
+          <a:prstGeom prst="curvedConnector3">
+            <a:avLst>
+              <a:gd name="adj1" fmla="val -16444"/>
+            </a:avLst>
+          </a:prstGeom>
+          <a:ln w="6350">
+            <a:solidFill>
+              <a:schemeClr val="accent4">
+                <a:lumMod val="50000"/>
+              </a:schemeClr>
+            </a:solidFill>
+            <a:prstDash val="sysDot"/>
+            <a:tailEnd type="arrow"/>
+          </a:ln>
+        </p:spPr>
+        <p:style>
+          <a:lnRef idx="3">
+            <a:schemeClr val="accent2"/>
+          </a:lnRef>
+          <a:fillRef idx="0">
+            <a:schemeClr val="accent2"/>
+          </a:fillRef>
+          <a:effectRef idx="2">
+            <a:schemeClr val="accent2"/>
+          </a:effectRef>
+          <a:fontRef idx="minor">
+            <a:schemeClr val="tx1"/>
+          </a:fontRef>
+        </p:style>
+      </p:cxnSp>
+      <p:cxnSp>
+        <p:nvCxnSpPr>
+          <p:cNvPr id="69" name="Curved Connector 25"/>
+          <p:cNvCxnSpPr>
+            <a:stCxn id="55" idx="0"/>
+          </p:cNvCxnSpPr>
+          <p:nvPr/>
+        </p:nvCxnSpPr>
+        <p:spPr>
+          <a:xfrm flipV="1">
+            <a:off x="5715008" y="3971846"/>
+            <a:ext cx="1428760" cy="178593"/>
+          </a:xfrm>
+          <a:prstGeom prst="curvedConnector3">
+            <a:avLst>
+              <a:gd name="adj1" fmla="val 50000"/>
+            </a:avLst>
+          </a:prstGeom>
+          <a:ln w="6350">
+            <a:solidFill>
+              <a:schemeClr val="accent4">
+                <a:lumMod val="50000"/>
+              </a:schemeClr>
+            </a:solidFill>
+            <a:prstDash val="sysDot"/>
+            <a:tailEnd type="arrow"/>
+          </a:ln>
+        </p:spPr>
+        <p:style>
+          <a:lnRef idx="3">
+            <a:schemeClr val="accent2"/>
+          </a:lnRef>
+          <a:fillRef idx="0">
+            <a:schemeClr val="accent2"/>
+          </a:fillRef>
+          <a:effectRef idx="2">
+            <a:schemeClr val="accent2"/>
+          </a:effectRef>
+          <a:fontRef idx="minor">
+            <a:schemeClr val="tx1"/>
+          </a:fontRef>
+        </p:style>
+      </p:cxnSp>
+      <p:sp>
+        <p:nvSpPr>
+          <p:cNvPr id="73" name="Rectangle 72"/>
+          <p:cNvSpPr/>
+          <p:nvPr/>
+        </p:nvSpPr>
+        <p:spPr>
+          <a:xfrm>
+            <a:off x="7072330" y="3828968"/>
+            <a:ext cx="1354602" cy="307777"/>
+          </a:xfrm>
+          <a:prstGeom prst="rect">
+            <a:avLst/>
+          </a:prstGeom>
+        </p:spPr>
+        <p:txBody>
+          <a:bodyPr wrap="none">
+            <a:spAutoFit/>
+          </a:bodyPr>
+          <a:lstStyle/>
+          <a:p>
+            <a:r>
+              <a:rPr lang="en-US" sz="1400" dirty="0" smtClean="0">
+                <a:solidFill>
+                  <a:schemeClr val="dk1"/>
+                </a:solidFill>
+                <a:latin typeface="Arial Black" pitchFamily="34" charset="0"/>
+              </a:rPr>
+              <a:t>Power Bank</a:t>
+            </a:r>
+            <a:endParaRPr lang="en-US" sz="1400" dirty="0">
+              <a:solidFill>
+                <a:schemeClr val="dk1"/>
+              </a:solidFill>
+              <a:latin typeface="Arial Black" pitchFamily="34" charset="0"/>
+            </a:endParaRPr>
+          </a:p>
+        </p:txBody>
+      </p:sp>
+      <p:sp>
+        <p:nvSpPr>
+          <p:cNvPr id="81" name="Rectangle 80"/>
+          <p:cNvSpPr/>
+          <p:nvPr/>
+        </p:nvSpPr>
+        <p:spPr>
+          <a:xfrm>
+            <a:off x="3718595" y="2832459"/>
+            <a:ext cx="1754006" cy="307777"/>
+          </a:xfrm>
+          <a:prstGeom prst="rect">
+            <a:avLst/>
+          </a:prstGeom>
+        </p:spPr>
+        <p:txBody>
+          <a:bodyPr wrap="none">
+            <a:spAutoFit/>
+          </a:bodyPr>
+          <a:lstStyle/>
+          <a:p>
+            <a:r>
+              <a:rPr lang="en-US" sz="1400" dirty="0" smtClean="0">
+                <a:solidFill>
+                  <a:schemeClr val="dk1"/>
+                </a:solidFill>
+                <a:latin typeface="Arial Black" pitchFamily="34" charset="0"/>
+              </a:rPr>
+              <a:t>BLE Connection</a:t>
+            </a:r>
+            <a:endParaRPr lang="en-US" sz="1400" dirty="0">
+              <a:solidFill>
+                <a:schemeClr val="dk1"/>
+              </a:solidFill>
+              <a:latin typeface="Arial Black" pitchFamily="34" charset="0"/>
+            </a:endParaRPr>
+          </a:p>
+        </p:txBody>
+      </p:sp>
+      <p:sp>
+        <p:nvSpPr>
+          <p:cNvPr id="82" name="Rectangle 81"/>
+          <p:cNvSpPr/>
+          <p:nvPr/>
+        </p:nvSpPr>
+        <p:spPr>
+          <a:xfrm>
+            <a:off x="6357950" y="1428736"/>
+            <a:ext cx="1428760" cy="500066"/>
+          </a:xfrm>
+          <a:prstGeom prst="rect">
+            <a:avLst/>
+          </a:prstGeom>
+        </p:spPr>
+        <p:style>
+          <a:lnRef idx="2">
+            <a:schemeClr val="accent1">
+              <a:shade val="50000"/>
+            </a:schemeClr>
+          </a:lnRef>
+          <a:fillRef idx="1">
+            <a:schemeClr val="accent1"/>
+          </a:fillRef>
+          <a:effectRef idx="0">
+            <a:schemeClr val="accent1"/>
+          </a:effectRef>
+          <a:fontRef idx="minor">
+            <a:schemeClr val="lt1"/>
+          </a:fontRef>
+        </p:style>
+        <p:txBody>
+          <a:bodyPr rtlCol="0" anchor="ctr"/>
+          <a:lstStyle/>
+          <a:p>
+            <a:pPr algn="ctr"/>
+            <a:r>
+              <a:rPr lang="en-US" dirty="0" smtClean="0"/>
+              <a:t>Control Unit</a:t>
+            </a:r>
+            <a:endParaRPr lang="en-US" dirty="0"/>
+          </a:p>
+        </p:txBody>
+      </p:sp>
+      <p:cxnSp>
+        <p:nvCxnSpPr>
+          <p:cNvPr id="83" name="Curved Connector 82"/>
+          <p:cNvCxnSpPr>
+            <a:stCxn id="54" idx="7"/>
+            <a:endCxn id="82" idx="1"/>
+          </p:cNvCxnSpPr>
+          <p:nvPr/>
+        </p:nvCxnSpPr>
+        <p:spPr>
+          <a:xfrm rot="5400000" flipH="1" flipV="1">
+            <a:off x="4407735" y="2057348"/>
+            <a:ext cx="2328794" cy="1571636"/>
+          </a:xfrm>
+          <a:prstGeom prst="curvedConnector2">
+            <a:avLst/>
+          </a:prstGeom>
+          <a:ln>
+            <a:solidFill>
+              <a:schemeClr val="accent6">
+                <a:lumMod val="75000"/>
+              </a:schemeClr>
+            </a:solidFill>
+            <a:prstDash val="dash"/>
+            <a:headEnd type="arrow"/>
+            <a:tailEnd type="arrow"/>
+          </a:ln>
+        </p:spPr>
+        <p:style>
+          <a:lnRef idx="1">
+            <a:schemeClr val="accent1"/>
+          </a:lnRef>
+          <a:fillRef idx="0">
+            <a:schemeClr val="accent1"/>
+          </a:fillRef>
+          <a:effectRef idx="0">
+            <a:schemeClr val="accent1"/>
+          </a:effectRef>
+          <a:fontRef idx="minor">
+            <a:schemeClr val="tx1"/>
+          </a:fontRef>
+        </p:style>
+      </p:cxnSp>
+      <p:sp>
+        <p:nvSpPr>
+          <p:cNvPr id="58" name="Rectangle 64"/>
+          <p:cNvSpPr/>
+          <p:nvPr/>
+        </p:nvSpPr>
+        <p:spPr>
+          <a:xfrm>
+            <a:off x="6036479" y="5579625"/>
+            <a:ext cx="2071702" cy="261610"/>
+          </a:xfrm>
+          <a:prstGeom prst="rect">
+            <a:avLst/>
+          </a:prstGeom>
+        </p:spPr>
+        <p:txBody>
+          <a:bodyPr wrap="square">
+            <a:spAutoFit/>
+          </a:bodyPr>
+          <a:lstStyle/>
+          <a:p>
+            <a:pPr algn="ctr"/>
+            <a:r>
+              <a:rPr lang="en-US" sz="1100" dirty="0" smtClean="0">
+                <a:solidFill>
+                  <a:schemeClr val="dk1"/>
+                </a:solidFill>
+                <a:latin typeface="Arial Black" pitchFamily="34" charset="0"/>
+              </a:rPr>
+              <a:t>Arduino BLE Board</a:t>
+            </a:r>
+            <a:endParaRPr lang="en-US" sz="1100" dirty="0">
+              <a:solidFill>
+                <a:schemeClr val="dk1"/>
+              </a:solidFill>
+              <a:latin typeface="Arial Black" pitchFamily="34" charset="0"/>
+            </a:endParaRPr>
+          </a:p>
+        </p:txBody>
+      </p:sp>
+      <p:cxnSp>
+        <p:nvCxnSpPr>
+          <p:cNvPr id="60" name="Curved Connector 82"/>
+          <p:cNvCxnSpPr>
+            <a:stCxn id="53" idx="0"/>
+            <a:endCxn id="82" idx="1"/>
+          </p:cNvCxnSpPr>
+          <p:nvPr/>
+        </p:nvCxnSpPr>
+        <p:spPr>
+          <a:xfrm rot="5400000" flipH="1" flipV="1">
+            <a:off x="3568339" y="1253671"/>
+            <a:ext cx="2364513" cy="3214710"/>
+          </a:xfrm>
+          <a:prstGeom prst="curvedConnector2">
+            <a:avLst/>
+          </a:prstGeom>
+          <a:ln>
+            <a:solidFill>
+              <a:schemeClr val="accent6">
+                <a:lumMod val="75000"/>
+              </a:schemeClr>
+            </a:solidFill>
+            <a:prstDash val="dash"/>
+            <a:headEnd type="arrow"/>
+            <a:tailEnd type="arrow"/>
+          </a:ln>
+        </p:spPr>
+        <p:style>
+          <a:lnRef idx="1">
+            <a:schemeClr val="accent1"/>
+          </a:lnRef>
+          <a:fillRef idx="0">
+            <a:schemeClr val="accent1"/>
+          </a:fillRef>
+          <a:effectRef idx="0">
+            <a:schemeClr val="accent1"/>
+          </a:effectRef>
+          <a:fontRef idx="minor">
+            <a:schemeClr val="tx1"/>
+          </a:fontRef>
+        </p:style>
+      </p:cxnSp>
+      <p:sp>
+        <p:nvSpPr>
+          <p:cNvPr id="63" name="TextBox 58"/>
+          <p:cNvSpPr txBox="1"/>
+          <p:nvPr/>
+        </p:nvSpPr>
+        <p:spPr>
+          <a:xfrm>
+            <a:off x="628646" y="1086903"/>
+            <a:ext cx="3731471" cy="954107"/>
+          </a:xfrm>
+          <a:prstGeom prst="rect">
+            <a:avLst/>
+          </a:prstGeom>
+          <a:noFill/>
+          <a:ln>
+            <a:noFill/>
+          </a:ln>
+          <a:effectLst/>
+        </p:spPr>
+        <p:style>
+          <a:lnRef idx="1">
+            <a:schemeClr val="dk1"/>
+          </a:lnRef>
+          <a:fillRef idx="2">
+            <a:schemeClr val="dk1"/>
+          </a:fillRef>
+          <a:effectRef idx="1">
+            <a:schemeClr val="dk1"/>
+          </a:effectRef>
+          <a:fontRef idx="minor">
+            <a:schemeClr val="dk1"/>
+          </a:fontRef>
+        </p:style>
+        <p:txBody>
+          <a:bodyPr wrap="none" rtlCol="0">
+            <a:spAutoFit/>
+          </a:bodyPr>
+          <a:lstStyle/>
+          <a:p>
+            <a:r>
+              <a:rPr lang="en-US" sz="1400" dirty="0" smtClean="0">
+                <a:latin typeface="Arial Black" pitchFamily="34" charset="0"/>
+              </a:rPr>
+              <a:t>Bluetooth Connection order</a:t>
+            </a:r>
+          </a:p>
+          <a:p>
+            <a:pPr marL="342900" indent="-342900">
+              <a:buFont typeface="+mj-lt"/>
+              <a:buAutoNum type="arabicPeriod"/>
+            </a:pPr>
+            <a:r>
+              <a:rPr lang="en-US" sz="1400" dirty="0" smtClean="0">
+                <a:latin typeface="Arial Black" pitchFamily="34" charset="0"/>
+              </a:rPr>
+              <a:t>Arduino ESP 32 &lt;=&gt; Arduino BLE</a:t>
+            </a:r>
+          </a:p>
+          <a:p>
+            <a:pPr marL="342900" indent="-342900">
+              <a:buFont typeface="+mj-lt"/>
+              <a:buAutoNum type="arabicPeriod"/>
+            </a:pPr>
+            <a:r>
+              <a:rPr lang="en-US" sz="1400" dirty="0">
+                <a:latin typeface="Arial Black" pitchFamily="34" charset="0"/>
+              </a:rPr>
+              <a:t>Arduino ESP 32 &lt;=&gt; </a:t>
+            </a:r>
+            <a:r>
+              <a:rPr lang="en-US" sz="1400" dirty="0" smtClean="0">
+                <a:latin typeface="Arial Black" pitchFamily="34" charset="0"/>
+              </a:rPr>
+              <a:t>Lego Hub</a:t>
+            </a:r>
+          </a:p>
+          <a:p>
+            <a:pPr marL="342900" indent="-342900">
+              <a:buFont typeface="+mj-lt"/>
+              <a:buAutoNum type="arabicPeriod"/>
+            </a:pPr>
+            <a:endParaRPr lang="en-US" sz="1400" dirty="0" smtClean="0">
+              <a:latin typeface="Arial Black" pitchFamily="34" charset="0"/>
+            </a:endParaRPr>
+          </a:p>
+        </p:txBody>
+      </p:sp>
+      <p:sp>
+        <p:nvSpPr>
+          <p:cNvPr id="6" name="Rechteck 5"/>
+          <p:cNvSpPr/>
+          <p:nvPr/>
+        </p:nvSpPr>
+        <p:spPr>
+          <a:xfrm>
+            <a:off x="3418023" y="253224"/>
+            <a:ext cx="2236511" cy="461665"/>
+          </a:xfrm>
+          <a:prstGeom prst="rect">
+            <a:avLst/>
+          </a:prstGeom>
+        </p:spPr>
+        <p:txBody>
+          <a:bodyPr wrap="none">
+            <a:spAutoFit/>
+          </a:bodyPr>
+          <a:lstStyle/>
+          <a:p>
+            <a:pPr algn="ctr"/>
+            <a:r>
+              <a:rPr lang="en-US" sz="2400" dirty="0" smtClean="0">
+                <a:latin typeface="Arial Black" pitchFamily="34" charset="0"/>
+              </a:rPr>
+              <a:t>Initial Setup</a:t>
+            </a:r>
+            <a:endParaRPr lang="en-US" sz="2400" dirty="0">
+              <a:latin typeface="Arial Black" pitchFamily="34" charset="0"/>
+            </a:endParaRPr>
+          </a:p>
+        </p:txBody>
+      </p:sp>
+    </p:spTree>
+    <p:extLst>
+      <p:ext uri="{BB962C8B-B14F-4D97-AF65-F5344CB8AC3E}">
+        <p14:creationId xmlns:p14="http://schemas.microsoft.com/office/powerpoint/2010/main" val="206872148"/>
+      </p:ext>
+    </p:extLst>
+  </p:cSld>
+  <p:clrMapOvr>
+    <a:masterClrMapping/>
+  </p:clrMapOvr>
+  <p:timing>
+    <p:tnLst>
+      <p:par>
+        <p:cTn id="1" dur="indefinite" restart="never" nodeType="tmRoot"/>
+      </p:par>
+    </p:tnLst>
+  </p:timing>
 </p:sld>
 </file>
 
@@ -6968,4 +9799,265 @@
   <a:objectDefaults/>
   <a:extraClrSchemeLst/>
 </a:theme>
+</file>
+
+<file path=ppt/theme/theme2.xml><?xml version="1.0" encoding="utf-8"?>
+<a:theme xmlns:a="http://schemas.openxmlformats.org/drawingml/2006/main" name="Office Theme">
+  <a:themeElements>
+    <a:clrScheme name="Office">
+      <a:dk1>
+        <a:sysClr val="windowText" lastClr="000000"/>
+      </a:dk1>
+      <a:lt1>
+        <a:sysClr val="window" lastClr="FFFFFF"/>
+      </a:lt1>
+      <a:dk2>
+        <a:srgbClr val="44546A"/>
+      </a:dk2>
+      <a:lt2>
+        <a:srgbClr val="E7E6E6"/>
+      </a:lt2>
+      <a:accent1>
+        <a:srgbClr val="5B9BD5"/>
+      </a:accent1>
+      <a:accent2>
+        <a:srgbClr val="ED7D31"/>
+      </a:accent2>
+      <a:accent3>
+        <a:srgbClr val="A5A5A5"/>
+      </a:accent3>
+      <a:accent4>
+        <a:srgbClr val="FFC000"/>
+      </a:accent4>
+      <a:accent5>
+        <a:srgbClr val="4472C4"/>
+      </a:accent5>
+      <a:accent6>
+        <a:srgbClr val="70AD47"/>
+      </a:accent6>
+      <a:hlink>
+        <a:srgbClr val="0563C1"/>
+      </a:hlink>
+      <a:folHlink>
+        <a:srgbClr val="954F72"/>
+      </a:folHlink>
+    </a:clrScheme>
+    <a:fontScheme name="Office">
+      <a:majorFont>
+        <a:latin typeface="Calibri Light" panose="020F0302020204030204"/>
+        <a:ea typeface=""/>
+        <a:cs typeface=""/>
+        <a:font script="Jpan" typeface="ＭＳ Ｐゴシック"/>
+        <a:font script="Hang" typeface="맑은 고딕"/>
+        <a:font script="Hans" typeface="宋体"/>
+        <a:font script="Hant" typeface="新細明體"/>
+        <a:font script="Arab" typeface="Times New Roman"/>
+        <a:font script="Hebr" typeface="Times New Roman"/>
+        <a:font script="Thai" typeface="Angsana New"/>
+        <a:font script="Ethi" typeface="Nyala"/>
+        <a:font script="Beng" typeface="Vrinda"/>
+        <a:font script="Gujr" typeface="Shruti"/>
+        <a:font script="Khmr" typeface="MoolBoran"/>
+        <a:font script="Knda" typeface="Tunga"/>
+        <a:font script="Guru" typeface="Raavi"/>
+        <a:font script="Cans" typeface="Euphemia"/>
+        <a:font script="Cher" typeface="Plantagenet Cherokee"/>
+        <a:font script="Yiii" typeface="Microsoft Yi Baiti"/>
+        <a:font script="Tibt" typeface="Microsoft Himalaya"/>
+        <a:font script="Thaa" typeface="MV Boli"/>
+        <a:font script="Deva" typeface="Mangal"/>
+        <a:font script="Telu" typeface="Gautami"/>
+        <a:font script="Taml" typeface="Latha"/>
+        <a:font script="Syrc" typeface="Estrangelo Edessa"/>
+        <a:font script="Orya" typeface="Kalinga"/>
+        <a:font script="Mlym" typeface="Kartika"/>
+        <a:font script="Laoo" typeface="DokChampa"/>
+        <a:font script="Sinh" typeface="Iskoola Pota"/>
+        <a:font script="Mong" typeface="Mongolian Baiti"/>
+        <a:font script="Viet" typeface="Times New Roman"/>
+        <a:font script="Uigh" typeface="Microsoft Uighur"/>
+        <a:font script="Geor" typeface="Sylfaen"/>
+      </a:majorFont>
+      <a:minorFont>
+        <a:latin typeface="Calibri" panose="020F0502020204030204"/>
+        <a:ea typeface=""/>
+        <a:cs typeface=""/>
+        <a:font script="Jpan" typeface="ＭＳ Ｐゴシック"/>
+        <a:font script="Hang" typeface="맑은 고딕"/>
+        <a:font script="Hans" typeface="宋体"/>
+        <a:font script="Hant" typeface="新細明體"/>
+        <a:font script="Arab" typeface="Arial"/>
+        <a:font script="Hebr" typeface="Arial"/>
+        <a:font script="Thai" typeface="Cordia New"/>
+        <a:font script="Ethi" typeface="Nyala"/>
+        <a:font script="Beng" typeface="Vrinda"/>
+        <a:font script="Gujr" typeface="Shruti"/>
+        <a:font script="Khmr" typeface="DaunPenh"/>
+        <a:font script="Knda" typeface="Tunga"/>
+        <a:font script="Guru" typeface="Raavi"/>
+        <a:font script="Cans" typeface="Euphemia"/>
+        <a:font script="Cher" typeface="Plantagenet Cherokee"/>
+        <a:font script="Yiii" typeface="Microsoft Yi Baiti"/>
+        <a:font script="Tibt" typeface="Microsoft Himalaya"/>
+        <a:font script="Thaa" typeface="MV Boli"/>
+        <a:font script="Deva" typeface="Mangal"/>
+        <a:font script="Telu" typeface="Gautami"/>
+        <a:font script="Taml" typeface="Latha"/>
+        <a:font script="Syrc" typeface="Estrangelo Edessa"/>
+        <a:font script="Orya" typeface="Kalinga"/>
+        <a:font script="Mlym" typeface="Kartika"/>
+        <a:font script="Laoo" typeface="DokChampa"/>
+        <a:font script="Sinh" typeface="Iskoola Pota"/>
+        <a:font script="Mong" typeface="Mongolian Baiti"/>
+        <a:font script="Viet" typeface="Arial"/>
+        <a:font script="Uigh" typeface="Microsoft Uighur"/>
+        <a:font script="Geor" typeface="Sylfaen"/>
+      </a:minorFont>
+    </a:fontScheme>
+    <a:fmtScheme name="Office">
+      <a:fillStyleLst>
+        <a:solidFill>
+          <a:schemeClr val="phClr"/>
+        </a:solidFill>
+        <a:gradFill rotWithShape="1">
+          <a:gsLst>
+            <a:gs pos="0">
+              <a:schemeClr val="phClr">
+                <a:lumMod val="110000"/>
+                <a:satMod val="105000"/>
+                <a:tint val="67000"/>
+              </a:schemeClr>
+            </a:gs>
+            <a:gs pos="50000">
+              <a:schemeClr val="phClr">
+                <a:lumMod val="105000"/>
+                <a:satMod val="103000"/>
+                <a:tint val="73000"/>
+              </a:schemeClr>
+            </a:gs>
+            <a:gs pos="100000">
+              <a:schemeClr val="phClr">
+                <a:lumMod val="105000"/>
+                <a:satMod val="109000"/>
+                <a:tint val="81000"/>
+              </a:schemeClr>
+            </a:gs>
+          </a:gsLst>
+          <a:lin ang="5400000" scaled="0"/>
+        </a:gradFill>
+        <a:gradFill rotWithShape="1">
+          <a:gsLst>
+            <a:gs pos="0">
+              <a:schemeClr val="phClr">
+                <a:satMod val="103000"/>
+                <a:lumMod val="102000"/>
+                <a:tint val="94000"/>
+              </a:schemeClr>
+            </a:gs>
+            <a:gs pos="50000">
+              <a:schemeClr val="phClr">
+                <a:satMod val="110000"/>
+                <a:lumMod val="100000"/>
+                <a:shade val="100000"/>
+              </a:schemeClr>
+            </a:gs>
+            <a:gs pos="100000">
+              <a:schemeClr val="phClr">
+                <a:lumMod val="99000"/>
+                <a:satMod val="120000"/>
+                <a:shade val="78000"/>
+              </a:schemeClr>
+            </a:gs>
+          </a:gsLst>
+          <a:lin ang="5400000" scaled="0"/>
+        </a:gradFill>
+      </a:fillStyleLst>
+      <a:lnStyleLst>
+        <a:ln w="6350" cap="flat" cmpd="sng" algn="ctr">
+          <a:solidFill>
+            <a:schemeClr val="phClr"/>
+          </a:solidFill>
+          <a:prstDash val="solid"/>
+          <a:miter lim="800000"/>
+        </a:ln>
+        <a:ln w="12700" cap="flat" cmpd="sng" algn="ctr">
+          <a:solidFill>
+            <a:schemeClr val="phClr"/>
+          </a:solidFill>
+          <a:prstDash val="solid"/>
+          <a:miter lim="800000"/>
+        </a:ln>
+        <a:ln w="19050" cap="flat" cmpd="sng" algn="ctr">
+          <a:solidFill>
+            <a:schemeClr val="phClr"/>
+          </a:solidFill>
+          <a:prstDash val="solid"/>
+          <a:miter lim="800000"/>
+        </a:ln>
+      </a:lnStyleLst>
+      <a:effectStyleLst>
+        <a:effectStyle>
+          <a:effectLst/>
+        </a:effectStyle>
+        <a:effectStyle>
+          <a:effectLst/>
+        </a:effectStyle>
+        <a:effectStyle>
+          <a:effectLst>
+            <a:outerShdw blurRad="57150" dist="19050" dir="5400000" algn="ctr" rotWithShape="0">
+              <a:srgbClr val="000000">
+                <a:alpha val="63000"/>
+              </a:srgbClr>
+            </a:outerShdw>
+          </a:effectLst>
+        </a:effectStyle>
+      </a:effectStyleLst>
+      <a:bgFillStyleLst>
+        <a:solidFill>
+          <a:schemeClr val="phClr"/>
+        </a:solidFill>
+        <a:solidFill>
+          <a:schemeClr val="phClr">
+            <a:tint val="95000"/>
+            <a:satMod val="170000"/>
+          </a:schemeClr>
+        </a:solidFill>
+        <a:gradFill rotWithShape="1">
+          <a:gsLst>
+            <a:gs pos="0">
+              <a:schemeClr val="phClr">
+                <a:tint val="93000"/>
+                <a:satMod val="150000"/>
+                <a:shade val="98000"/>
+                <a:lumMod val="102000"/>
+              </a:schemeClr>
+            </a:gs>
+            <a:gs pos="50000">
+              <a:schemeClr val="phClr">
+                <a:tint val="98000"/>
+                <a:satMod val="130000"/>
+                <a:shade val="90000"/>
+                <a:lumMod val="103000"/>
+              </a:schemeClr>
+            </a:gs>
+            <a:gs pos="100000">
+              <a:schemeClr val="phClr">
+                <a:shade val="63000"/>
+                <a:satMod val="120000"/>
+              </a:schemeClr>
+            </a:gs>
+          </a:gsLst>
+          <a:lin ang="5400000" scaled="0"/>
+        </a:gradFill>
+      </a:bgFillStyleLst>
+    </a:fmtScheme>
+  </a:themeElements>
+  <a:objectDefaults/>
+  <a:extraClrSchemeLst/>
+  <a:extLst>
+    <a:ext uri="{05A4C25C-085E-4340-85A3-A5531E510DB2}">
+      <thm15:themeFamily xmlns:thm15="http://schemas.microsoft.com/office/thememl/2012/main" name="Office Theme" id="{62F939B6-93AF-4DB8-9C6B-D6C7DFDC589F}" vid="{4A3C46E8-61CC-4603-A589-7422A47A8E4A}"/>
+    </a:ext>
+  </a:extLst>
+</a:theme>
 </file>